--- a/docs/ppt/presentation.pptx
+++ b/docs/ppt/presentation.pptx
@@ -11,7 +11,11 @@
     <p:sldId id="259" r:id="rId5"/>
     <p:sldId id="260" r:id="rId6"/>
     <p:sldId id="262" r:id="rId7"/>
-    <p:sldId id="261" r:id="rId8"/>
+    <p:sldId id="263" r:id="rId8"/>
+    <p:sldId id="264" r:id="rId9"/>
+    <p:sldId id="265" r:id="rId10"/>
+    <p:sldId id="266" r:id="rId11"/>
+    <p:sldId id="261" r:id="rId12"/>
   </p:sldIdLst>
   <p:sldSz cx="12192000" cy="6858000"/>
   <p:notesSz cx="6858000" cy="9144000"/>
@@ -110,6 +114,11 @@
       </a:defRPr>
     </a:lvl9pPr>
   </p:defaultTextStyle>
+  <p:extLst>
+    <p:ext uri="{EFAFB233-063F-42B5-8137-9DF3F51BA10A}">
+      <p15:sldGuideLst xmlns:p15="http://schemas.microsoft.com/office/powerpoint/2012/main"/>
+    </p:ext>
+  </p:extLst>
 </p:presentation>
 </file>
 
@@ -338,7 +347,7 @@
             <a:fld id="{5586B75A-687E-405C-8A0B-8D00578BA2C3}" type="datetimeFigureOut">
               <a:rPr lang="en-US" dirty="0"/>
               <a:pPr/>
-              <a:t>12/9/18</a:t>
+              <a:t>12/12/18</a:t>
             </a:fld>
             <a:endParaRPr lang="en-US" dirty="0"/>
           </a:p>
@@ -505,7 +514,7 @@
             <a:fld id="{5586B75A-687E-405C-8A0B-8D00578BA2C3}" type="datetimeFigureOut">
               <a:rPr lang="en-US" dirty="0"/>
               <a:pPr/>
-              <a:t>12/9/18</a:t>
+              <a:t>12/12/18</a:t>
             </a:fld>
             <a:endParaRPr lang="en-US" dirty="0"/>
           </a:p>
@@ -682,7 +691,7 @@
             <a:fld id="{5586B75A-687E-405C-8A0B-8D00578BA2C3}" type="datetimeFigureOut">
               <a:rPr lang="en-US" dirty="0"/>
               <a:pPr/>
-              <a:t>12/9/18</a:t>
+              <a:t>12/12/18</a:t>
             </a:fld>
             <a:endParaRPr lang="en-US" dirty="0"/>
           </a:p>
@@ -849,7 +858,7 @@
             <a:fld id="{5586B75A-687E-405C-8A0B-8D00578BA2C3}" type="datetimeFigureOut">
               <a:rPr lang="en-US" dirty="0"/>
               <a:pPr/>
-              <a:t>12/9/18</a:t>
+              <a:t>12/12/18</a:t>
             </a:fld>
             <a:endParaRPr lang="en-US" dirty="0"/>
           </a:p>
@@ -1104,7 +1113,7 @@
             <a:fld id="{5586B75A-687E-405C-8A0B-8D00578BA2C3}" type="datetimeFigureOut">
               <a:rPr lang="en-US" dirty="0"/>
               <a:pPr/>
-              <a:t>12/9/18</a:t>
+              <a:t>12/12/18</a:t>
             </a:fld>
             <a:endParaRPr lang="en-US" dirty="0"/>
           </a:p>
@@ -1389,7 +1398,7 @@
             <a:fld id="{5586B75A-687E-405C-8A0B-8D00578BA2C3}" type="datetimeFigureOut">
               <a:rPr lang="en-US" dirty="0"/>
               <a:pPr/>
-              <a:t>12/9/18</a:t>
+              <a:t>12/12/18</a:t>
             </a:fld>
             <a:endParaRPr lang="en-US" dirty="0"/>
           </a:p>
@@ -1828,7 +1837,7 @@
             <a:fld id="{5586B75A-687E-405C-8A0B-8D00578BA2C3}" type="datetimeFigureOut">
               <a:rPr lang="en-US" dirty="0"/>
               <a:pPr/>
-              <a:t>12/9/18</a:t>
+              <a:t>12/12/18</a:t>
             </a:fld>
             <a:endParaRPr lang="en-US" dirty="0"/>
           </a:p>
@@ -1943,7 +1952,7 @@
             <a:fld id="{5586B75A-687E-405C-8A0B-8D00578BA2C3}" type="datetimeFigureOut">
               <a:rPr lang="en-US" dirty="0"/>
               <a:pPr/>
-              <a:t>12/9/18</a:t>
+              <a:t>12/12/18</a:t>
             </a:fld>
             <a:endParaRPr lang="en-US" dirty="0"/>
           </a:p>
@@ -2035,7 +2044,7 @@
             <a:fld id="{5586B75A-687E-405C-8A0B-8D00578BA2C3}" type="datetimeFigureOut">
               <a:rPr lang="en-US" dirty="0"/>
               <a:pPr/>
-              <a:t>12/9/18</a:t>
+              <a:t>12/12/18</a:t>
             </a:fld>
             <a:endParaRPr lang="en-US" dirty="0"/>
           </a:p>
@@ -2320,7 +2329,7 @@
             <a:fld id="{5586B75A-687E-405C-8A0B-8D00578BA2C3}" type="datetimeFigureOut">
               <a:rPr lang="en-US" dirty="0"/>
               <a:pPr/>
-              <a:t>12/9/18</a:t>
+              <a:t>12/12/18</a:t>
             </a:fld>
             <a:endParaRPr lang="en-US" dirty="0"/>
           </a:p>
@@ -2590,7 +2599,7 @@
             <a:fld id="{5586B75A-687E-405C-8A0B-8D00578BA2C3}" type="datetimeFigureOut">
               <a:rPr lang="en-US" dirty="0"/>
               <a:pPr/>
-              <a:t>12/9/18</a:t>
+              <a:t>12/12/18</a:t>
             </a:fld>
             <a:endParaRPr lang="en-US" dirty="0"/>
           </a:p>
@@ -2884,7 +2893,7 @@
             <a:fld id="{5586B75A-687E-405C-8A0B-8D00578BA2C3}" type="datetimeFigureOut">
               <a:rPr lang="en-US" dirty="0"/>
               <a:pPr/>
-              <a:t>12/9/18</a:t>
+              <a:t>12/12/18</a:t>
             </a:fld>
             <a:endParaRPr lang="en-US" dirty="0"/>
           </a:p>
@@ -3455,6 +3464,774 @@
 </p:sld>
 </file>
 
+<file path=ppt/slides/slide10.xml><?xml version="1.0" encoding="utf-8"?>
+<p:sld xmlns:a="http://schemas.openxmlformats.org/drawingml/2006/main" xmlns:r="http://schemas.openxmlformats.org/officeDocument/2006/relationships" xmlns:p="http://schemas.openxmlformats.org/presentationml/2006/main">
+  <p:cSld>
+    <p:spTree>
+      <p:nvGrpSpPr>
+        <p:cNvPr id="1" name=""/>
+        <p:cNvGrpSpPr/>
+        <p:nvPr/>
+      </p:nvGrpSpPr>
+      <p:grpSpPr>
+        <a:xfrm>
+          <a:off x="0" y="0"/>
+          <a:ext cx="0" cy="0"/>
+          <a:chOff x="0" y="0"/>
+          <a:chExt cx="0" cy="0"/>
+        </a:xfrm>
+      </p:grpSpPr>
+      <p:sp>
+        <p:nvSpPr>
+          <p:cNvPr id="2" name="Title 1">
+            <a:extLst>
+              <a:ext uri="{FF2B5EF4-FFF2-40B4-BE49-F238E27FC236}">
+                <a16:creationId xmlns:a16="http://schemas.microsoft.com/office/drawing/2014/main" id="{E4FF170F-DA51-9542-AF7E-5B03F8E0C1E7}"/>
+              </a:ext>
+            </a:extLst>
+          </p:cNvPr>
+          <p:cNvSpPr>
+            <a:spLocks noGrp="1"/>
+          </p:cNvSpPr>
+          <p:nvPr>
+            <p:ph type="title"/>
+          </p:nvPr>
+        </p:nvSpPr>
+        <p:spPr/>
+        <p:txBody>
+          <a:bodyPr/>
+          <a:lstStyle/>
+          <a:p>
+            <a:r>
+              <a:rPr lang="de-DE" dirty="0"/>
+              <a:t>Assembly </a:t>
+            </a:r>
+            <a:br>
+              <a:rPr lang="de-DE" dirty="0"/>
+            </a:br>
+            <a:r>
+              <a:rPr lang="de-DE" sz="1800" dirty="0"/>
+              <a:t>Entry Point</a:t>
+            </a:r>
+            <a:br>
+              <a:rPr lang="de-DE" dirty="0"/>
+            </a:br>
+            <a:endParaRPr lang="de-DE" dirty="0"/>
+          </a:p>
+        </p:txBody>
+      </p:sp>
+      <p:sp>
+        <p:nvSpPr>
+          <p:cNvPr id="9" name="Rectangle 8">
+            <a:extLst>
+              <a:ext uri="{FF2B5EF4-FFF2-40B4-BE49-F238E27FC236}">
+                <a16:creationId xmlns:a16="http://schemas.microsoft.com/office/drawing/2014/main" id="{92C4150B-1425-4B4B-9601-12F94AEABDB4}"/>
+              </a:ext>
+            </a:extLst>
+          </p:cNvPr>
+          <p:cNvSpPr/>
+          <p:nvPr/>
+        </p:nvSpPr>
+        <p:spPr>
+          <a:xfrm>
+            <a:off x="0" y="6577831"/>
+            <a:ext cx="12191999" cy="246221"/>
+          </a:xfrm>
+          <a:prstGeom prst="rect">
+            <a:avLst/>
+          </a:prstGeom>
+        </p:spPr>
+        <p:txBody>
+          <a:bodyPr wrap="square">
+            <a:spAutoFit/>
+          </a:bodyPr>
+          <a:lstStyle/>
+          <a:p>
+            <a:r>
+              <a:rPr lang="de-DE" sz="1000" dirty="0">
+                <a:solidFill>
+                  <a:schemeClr val="bg1">
+                    <a:lumMod val="75000"/>
+                  </a:schemeClr>
+                </a:solidFill>
+                <a:hlinkClick r:id="rId2">
+                  <a:extLst>
+                    <a:ext uri="{A12FA001-AC4F-418D-AE19-62706E023703}">
+                      <ahyp:hlinkClr xmlns:ahyp="http://schemas.microsoft.com/office/drawing/2018/hyperlinkcolor" val="tx"/>
+                    </a:ext>
+                  </a:extLst>
+                </a:hlinkClick>
+              </a:rPr>
+              <a:t>https://</a:t>
+            </a:r>
+            <a:r>
+              <a:rPr lang="de-DE" sz="1000" dirty="0" err="1">
+                <a:solidFill>
+                  <a:schemeClr val="bg1">
+                    <a:lumMod val="75000"/>
+                  </a:schemeClr>
+                </a:solidFill>
+                <a:hlinkClick r:id="rId2">
+                  <a:extLst>
+                    <a:ext uri="{A12FA001-AC4F-418D-AE19-62706E023703}">
+                      <ahyp:hlinkClr xmlns:ahyp="http://schemas.microsoft.com/office/drawing/2018/hyperlinkcolor" val="tx"/>
+                    </a:ext>
+                  </a:extLst>
+                </a:hlinkClick>
+              </a:rPr>
+              <a:t>www.tutorialspoint.com</a:t>
+            </a:r>
+            <a:r>
+              <a:rPr lang="de-DE" sz="1000" dirty="0">
+                <a:solidFill>
+                  <a:schemeClr val="bg1">
+                    <a:lumMod val="75000"/>
+                  </a:schemeClr>
+                </a:solidFill>
+                <a:hlinkClick r:id="rId2">
+                  <a:extLst>
+                    <a:ext uri="{A12FA001-AC4F-418D-AE19-62706E023703}">
+                      <ahyp:hlinkClr xmlns:ahyp="http://schemas.microsoft.com/office/drawing/2018/hyperlinkcolor" val="tx"/>
+                    </a:ext>
+                  </a:extLst>
+                </a:hlinkClick>
+              </a:rPr>
+              <a:t>/</a:t>
+            </a:r>
+            <a:r>
+              <a:rPr lang="de-DE" sz="1000" dirty="0" err="1">
+                <a:solidFill>
+                  <a:schemeClr val="bg1">
+                    <a:lumMod val="75000"/>
+                  </a:schemeClr>
+                </a:solidFill>
+                <a:hlinkClick r:id="rId2">
+                  <a:extLst>
+                    <a:ext uri="{A12FA001-AC4F-418D-AE19-62706E023703}">
+                      <ahyp:hlinkClr xmlns:ahyp="http://schemas.microsoft.com/office/drawing/2018/hyperlinkcolor" val="tx"/>
+                    </a:ext>
+                  </a:extLst>
+                </a:hlinkClick>
+              </a:rPr>
+              <a:t>assembly_programming</a:t>
+            </a:r>
+            <a:r>
+              <a:rPr lang="de-DE" sz="1000" dirty="0">
+                <a:solidFill>
+                  <a:schemeClr val="bg1">
+                    <a:lumMod val="75000"/>
+                  </a:schemeClr>
+                </a:solidFill>
+                <a:hlinkClick r:id="rId2">
+                  <a:extLst>
+                    <a:ext uri="{A12FA001-AC4F-418D-AE19-62706E023703}">
+                      <ahyp:hlinkClr xmlns:ahyp="http://schemas.microsoft.com/office/drawing/2018/hyperlinkcolor" val="tx"/>
+                    </a:ext>
+                  </a:extLst>
+                </a:hlinkClick>
+              </a:rPr>
+              <a:t>/</a:t>
+            </a:r>
+            <a:endParaRPr lang="de-DE" sz="1000" dirty="0">
+              <a:solidFill>
+                <a:schemeClr val="bg1">
+                  <a:lumMod val="75000"/>
+                </a:schemeClr>
+              </a:solidFill>
+            </a:endParaRPr>
+          </a:p>
+        </p:txBody>
+      </p:sp>
+      <p:pic>
+        <p:nvPicPr>
+          <p:cNvPr id="8" name="Picture 7">
+            <a:extLst>
+              <a:ext uri="{FF2B5EF4-FFF2-40B4-BE49-F238E27FC236}">
+                <a16:creationId xmlns:a16="http://schemas.microsoft.com/office/drawing/2014/main" id="{B1C18277-BC26-0544-A0E9-F2731027BFBA}"/>
+              </a:ext>
+            </a:extLst>
+          </p:cNvPr>
+          <p:cNvPicPr>
+            <a:picLocks noChangeAspect="1"/>
+          </p:cNvPicPr>
+          <p:nvPr/>
+        </p:nvPicPr>
+        <p:blipFill>
+          <a:blip r:embed="rId3"/>
+          <a:stretch>
+            <a:fillRect/>
+          </a:stretch>
+        </p:blipFill>
+        <p:spPr>
+          <a:xfrm>
+            <a:off x="3869268" y="1931907"/>
+            <a:ext cx="7300374" cy="2985042"/>
+          </a:xfrm>
+          <a:prstGeom prst="rect">
+            <a:avLst/>
+          </a:prstGeom>
+        </p:spPr>
+      </p:pic>
+    </p:spTree>
+    <p:extLst>
+      <p:ext uri="{BB962C8B-B14F-4D97-AF65-F5344CB8AC3E}">
+        <p14:creationId xmlns:p14="http://schemas.microsoft.com/office/powerpoint/2010/main" val="3187635475"/>
+      </p:ext>
+    </p:extLst>
+  </p:cSld>
+  <p:clrMapOvr>
+    <a:masterClrMapping/>
+  </p:clrMapOvr>
+</p:sld>
+</file>
+
+<file path=ppt/slides/slide11.xml><?xml version="1.0" encoding="utf-8"?>
+<p:sld xmlns:a="http://schemas.openxmlformats.org/drawingml/2006/main" xmlns:r="http://schemas.openxmlformats.org/officeDocument/2006/relationships" xmlns:p="http://schemas.openxmlformats.org/presentationml/2006/main">
+  <p:cSld>
+    <p:spTree>
+      <p:nvGrpSpPr>
+        <p:cNvPr id="1" name=""/>
+        <p:cNvGrpSpPr/>
+        <p:nvPr/>
+      </p:nvGrpSpPr>
+      <p:grpSpPr>
+        <a:xfrm>
+          <a:off x="0" y="0"/>
+          <a:ext cx="0" cy="0"/>
+          <a:chOff x="0" y="0"/>
+          <a:chExt cx="0" cy="0"/>
+        </a:xfrm>
+      </p:grpSpPr>
+      <p:sp>
+        <p:nvSpPr>
+          <p:cNvPr id="2" name="Title 1">
+            <a:extLst>
+              <a:ext uri="{FF2B5EF4-FFF2-40B4-BE49-F238E27FC236}">
+                <a16:creationId xmlns:a16="http://schemas.microsoft.com/office/drawing/2014/main" id="{E4FF170F-DA51-9542-AF7E-5B03F8E0C1E7}"/>
+              </a:ext>
+            </a:extLst>
+          </p:cNvPr>
+          <p:cNvSpPr>
+            <a:spLocks noGrp="1"/>
+          </p:cNvSpPr>
+          <p:nvPr>
+            <p:ph type="title"/>
+          </p:nvPr>
+        </p:nvSpPr>
+        <p:spPr/>
+        <p:txBody>
+          <a:bodyPr/>
+          <a:lstStyle/>
+          <a:p>
+            <a:r>
+              <a:rPr lang="de-DE" dirty="0"/>
+              <a:t>Assembly </a:t>
+            </a:r>
+            <a:br>
+              <a:rPr lang="de-DE" dirty="0"/>
+            </a:br>
+            <a:r>
+              <a:rPr lang="de-DE" sz="1800" dirty="0"/>
+              <a:t>Zusammenspiel mit HW</a:t>
+            </a:r>
+            <a:br>
+              <a:rPr lang="de-DE" dirty="0"/>
+            </a:br>
+            <a:endParaRPr lang="de-DE" dirty="0"/>
+          </a:p>
+        </p:txBody>
+      </p:sp>
+      <p:sp>
+        <p:nvSpPr>
+          <p:cNvPr id="3" name="Content Placeholder 2">
+            <a:extLst>
+              <a:ext uri="{FF2B5EF4-FFF2-40B4-BE49-F238E27FC236}">
+                <a16:creationId xmlns:a16="http://schemas.microsoft.com/office/drawing/2014/main" id="{D2052285-1E8D-C241-9802-A601D8E3936B}"/>
+              </a:ext>
+            </a:extLst>
+          </p:cNvPr>
+          <p:cNvSpPr>
+            <a:spLocks noGrp="1"/>
+          </p:cNvSpPr>
+          <p:nvPr>
+            <p:ph idx="1"/>
+          </p:nvPr>
+        </p:nvSpPr>
+        <p:spPr>
+          <a:xfrm>
+            <a:off x="3869268" y="864108"/>
+            <a:ext cx="7315200" cy="5120640"/>
+          </a:xfrm>
+        </p:spPr>
+        <p:txBody>
+          <a:bodyPr/>
+          <a:lstStyle/>
+          <a:p>
+            <a:pPr marL="0" indent="0">
+              <a:buNone/>
+            </a:pPr>
+            <a:r>
+              <a:rPr lang="de-DE" dirty="0"/>
+              <a:t> </a:t>
+            </a:r>
+          </a:p>
+        </p:txBody>
+      </p:sp>
+      <p:sp>
+        <p:nvSpPr>
+          <p:cNvPr id="9" name="Rectangle 8">
+            <a:extLst>
+              <a:ext uri="{FF2B5EF4-FFF2-40B4-BE49-F238E27FC236}">
+                <a16:creationId xmlns:a16="http://schemas.microsoft.com/office/drawing/2014/main" id="{92C4150B-1425-4B4B-9601-12F94AEABDB4}"/>
+              </a:ext>
+            </a:extLst>
+          </p:cNvPr>
+          <p:cNvSpPr/>
+          <p:nvPr/>
+        </p:nvSpPr>
+        <p:spPr>
+          <a:xfrm>
+            <a:off x="0" y="6577831"/>
+            <a:ext cx="12191999" cy="246221"/>
+          </a:xfrm>
+          <a:prstGeom prst="rect">
+            <a:avLst/>
+          </a:prstGeom>
+        </p:spPr>
+        <p:txBody>
+          <a:bodyPr wrap="square">
+            <a:spAutoFit/>
+          </a:bodyPr>
+          <a:lstStyle/>
+          <a:p>
+            <a:r>
+              <a:rPr lang="de-DE" sz="1000" dirty="0">
+                <a:solidFill>
+                  <a:schemeClr val="bg1">
+                    <a:lumMod val="75000"/>
+                  </a:schemeClr>
+                </a:solidFill>
+                <a:hlinkClick r:id="rId2">
+                  <a:extLst>
+                    <a:ext uri="{A12FA001-AC4F-418D-AE19-62706E023703}">
+                      <ahyp:hlinkClr xmlns:ahyp="http://schemas.microsoft.com/office/drawing/2018/hyperlinkcolor" val="tx"/>
+                    </a:ext>
+                  </a:extLst>
+                </a:hlinkClick>
+              </a:rPr>
+              <a:t>https://</a:t>
+            </a:r>
+            <a:r>
+              <a:rPr lang="de-DE" sz="1000" dirty="0" err="1">
+                <a:solidFill>
+                  <a:schemeClr val="bg1">
+                    <a:lumMod val="75000"/>
+                  </a:schemeClr>
+                </a:solidFill>
+                <a:hlinkClick r:id="rId2">
+                  <a:extLst>
+                    <a:ext uri="{A12FA001-AC4F-418D-AE19-62706E023703}">
+                      <ahyp:hlinkClr xmlns:ahyp="http://schemas.microsoft.com/office/drawing/2018/hyperlinkcolor" val="tx"/>
+                    </a:ext>
+                  </a:extLst>
+                </a:hlinkClick>
+              </a:rPr>
+              <a:t>www.tutorialspoint.com</a:t>
+            </a:r>
+            <a:r>
+              <a:rPr lang="de-DE" sz="1000" dirty="0">
+                <a:solidFill>
+                  <a:schemeClr val="bg1">
+                    <a:lumMod val="75000"/>
+                  </a:schemeClr>
+                </a:solidFill>
+                <a:hlinkClick r:id="rId2">
+                  <a:extLst>
+                    <a:ext uri="{A12FA001-AC4F-418D-AE19-62706E023703}">
+                      <ahyp:hlinkClr xmlns:ahyp="http://schemas.microsoft.com/office/drawing/2018/hyperlinkcolor" val="tx"/>
+                    </a:ext>
+                  </a:extLst>
+                </a:hlinkClick>
+              </a:rPr>
+              <a:t>/</a:t>
+            </a:r>
+            <a:r>
+              <a:rPr lang="de-DE" sz="1000" dirty="0" err="1">
+                <a:solidFill>
+                  <a:schemeClr val="bg1">
+                    <a:lumMod val="75000"/>
+                  </a:schemeClr>
+                </a:solidFill>
+                <a:hlinkClick r:id="rId2">
+                  <a:extLst>
+                    <a:ext uri="{A12FA001-AC4F-418D-AE19-62706E023703}">
+                      <ahyp:hlinkClr xmlns:ahyp="http://schemas.microsoft.com/office/drawing/2018/hyperlinkcolor" val="tx"/>
+                    </a:ext>
+                  </a:extLst>
+                </a:hlinkClick>
+              </a:rPr>
+              <a:t>assembly_programming</a:t>
+            </a:r>
+            <a:r>
+              <a:rPr lang="de-DE" sz="1000" dirty="0">
+                <a:solidFill>
+                  <a:schemeClr val="bg1">
+                    <a:lumMod val="75000"/>
+                  </a:schemeClr>
+                </a:solidFill>
+                <a:hlinkClick r:id="rId2">
+                  <a:extLst>
+                    <a:ext uri="{A12FA001-AC4F-418D-AE19-62706E023703}">
+                      <ahyp:hlinkClr xmlns:ahyp="http://schemas.microsoft.com/office/drawing/2018/hyperlinkcolor" val="tx"/>
+                    </a:ext>
+                  </a:extLst>
+                </a:hlinkClick>
+              </a:rPr>
+              <a:t>/</a:t>
+            </a:r>
+            <a:endParaRPr lang="de-DE" sz="1000" dirty="0">
+              <a:solidFill>
+                <a:schemeClr val="bg1">
+                  <a:lumMod val="75000"/>
+                </a:schemeClr>
+              </a:solidFill>
+            </a:endParaRPr>
+          </a:p>
+        </p:txBody>
+      </p:sp>
+      <p:graphicFrame>
+        <p:nvGraphicFramePr>
+          <p:cNvPr id="4" name="Table 3">
+            <a:extLst>
+              <a:ext uri="{FF2B5EF4-FFF2-40B4-BE49-F238E27FC236}">
+                <a16:creationId xmlns:a16="http://schemas.microsoft.com/office/drawing/2014/main" id="{7B17DC4A-C518-874F-A120-A3D3C981D873}"/>
+              </a:ext>
+            </a:extLst>
+          </p:cNvPr>
+          <p:cNvGraphicFramePr>
+            <a:graphicFrameLocks noGrp="1"/>
+          </p:cNvGraphicFramePr>
+          <p:nvPr>
+            <p:extLst>
+              <p:ext uri="{D42A27DB-BD31-4B8C-83A1-F6EECF244321}">
+                <p14:modId xmlns:p14="http://schemas.microsoft.com/office/powerpoint/2010/main" val="2414903270"/>
+              </p:ext>
+            </p:extLst>
+          </p:nvPr>
+        </p:nvGraphicFramePr>
+        <p:xfrm>
+          <a:off x="3869268" y="755974"/>
+          <a:ext cx="7315200" cy="2865120"/>
+        </p:xfrm>
+        <a:graphic>
+          <a:graphicData uri="http://schemas.openxmlformats.org/drawingml/2006/table">
+            <a:tbl>
+              <a:tblPr firstRow="1" bandRow="1">
+                <a:tableStyleId>{5C22544A-7EE6-4342-B048-85BDC9FD1C3A}</a:tableStyleId>
+              </a:tblPr>
+              <a:tblGrid>
+                <a:gridCol w="3657600">
+                  <a:extLst>
+                    <a:ext uri="{9D8B030D-6E8A-4147-A177-3AD203B41FA5}">
+                      <a16:colId xmlns:a16="http://schemas.microsoft.com/office/drawing/2014/main" val="2317206412"/>
+                    </a:ext>
+                  </a:extLst>
+                </a:gridCol>
+                <a:gridCol w="3657600">
+                  <a:extLst>
+                    <a:ext uri="{9D8B030D-6E8A-4147-A177-3AD203B41FA5}">
+                      <a16:colId xmlns:a16="http://schemas.microsoft.com/office/drawing/2014/main" val="3589141513"/>
+                    </a:ext>
+                  </a:extLst>
+                </a:gridCol>
+              </a:tblGrid>
+              <a:tr h="370840">
+                <a:tc>
+                  <a:txBody>
+                    <a:bodyPr/>
+                    <a:lstStyle/>
+                    <a:p>
+                      <a:r>
+                        <a:rPr lang="de-DE" dirty="0"/>
+                        <a:t>Anweisung</a:t>
+                      </a:r>
+                    </a:p>
+                  </a:txBody>
+                  <a:tcPr/>
+                </a:tc>
+                <a:tc>
+                  <a:txBody>
+                    <a:bodyPr/>
+                    <a:lstStyle/>
+                    <a:p>
+                      <a:r>
+                        <a:rPr lang="de-DE" dirty="0"/>
+                        <a:t>Beschreibung</a:t>
+                      </a:r>
+                    </a:p>
+                  </a:txBody>
+                  <a:tcPr/>
+                </a:tc>
+                <a:extLst>
+                  <a:ext uri="{0D108BD9-81ED-4DB2-BD59-A6C34878D82A}">
+                    <a16:rowId xmlns:a16="http://schemas.microsoft.com/office/drawing/2014/main" val="1781904454"/>
+                  </a:ext>
+                </a:extLst>
+              </a:tr>
+              <a:tr h="370840">
+                <a:tc>
+                  <a:txBody>
+                    <a:bodyPr/>
+                    <a:lstStyle/>
+                    <a:p>
+                      <a:r>
+                        <a:rPr lang="de-DE" dirty="0"/>
+                        <a:t>mov</a:t>
+                      </a:r>
+                    </a:p>
+                  </a:txBody>
+                  <a:tcPr/>
+                </a:tc>
+                <a:tc>
+                  <a:txBody>
+                    <a:bodyPr/>
+                    <a:lstStyle/>
+                    <a:p>
+                      <a:pPr marL="285750" indent="-285750">
+                        <a:buFontTx/>
+                        <a:buChar char="-"/>
+                      </a:pPr>
+                      <a:r>
+                        <a:rPr lang="de-DE" dirty="0" err="1"/>
+                        <a:t>move</a:t>
+                      </a:r>
+                      <a:r>
+                        <a:rPr lang="de-DE" dirty="0"/>
+                        <a:t> Anweisung</a:t>
+                      </a:r>
+                    </a:p>
+                    <a:p>
+                      <a:pPr marL="285750" indent="-285750">
+                        <a:buFontTx/>
+                        <a:buChar char="-"/>
+                      </a:pPr>
+                      <a:r>
+                        <a:rPr lang="de-DE" dirty="0"/>
+                        <a:t>Bewegt einen Wert in ein Register</a:t>
+                      </a:r>
+                    </a:p>
+                  </a:txBody>
+                  <a:tcPr/>
+                </a:tc>
+                <a:extLst>
+                  <a:ext uri="{0D108BD9-81ED-4DB2-BD59-A6C34878D82A}">
+                    <a16:rowId xmlns:a16="http://schemas.microsoft.com/office/drawing/2014/main" val="2647621659"/>
+                  </a:ext>
+                </a:extLst>
+              </a:tr>
+              <a:tr h="370840">
+                <a:tc>
+                  <a:txBody>
+                    <a:bodyPr/>
+                    <a:lstStyle/>
+                    <a:p>
+                      <a:r>
+                        <a:rPr lang="de-DE" dirty="0"/>
+                        <a:t>add </a:t>
+                      </a:r>
+                    </a:p>
+                  </a:txBody>
+                  <a:tcPr/>
+                </a:tc>
+                <a:tc>
+                  <a:txBody>
+                    <a:bodyPr/>
+                    <a:lstStyle/>
+                    <a:p>
+                      <a:pPr marL="285750" indent="-285750">
+                        <a:buFontTx/>
+                        <a:buChar char="-"/>
+                      </a:pPr>
+                      <a:r>
+                        <a:rPr lang="de-DE" dirty="0"/>
+                        <a:t>Addition</a:t>
+                      </a:r>
+                    </a:p>
+                  </a:txBody>
+                  <a:tcPr/>
+                </a:tc>
+                <a:extLst>
+                  <a:ext uri="{0D108BD9-81ED-4DB2-BD59-A6C34878D82A}">
+                    <a16:rowId xmlns:a16="http://schemas.microsoft.com/office/drawing/2014/main" val="563418857"/>
+                  </a:ext>
+                </a:extLst>
+              </a:tr>
+              <a:tr h="370840">
+                <a:tc>
+                  <a:txBody>
+                    <a:bodyPr/>
+                    <a:lstStyle/>
+                    <a:p>
+                      <a:r>
+                        <a:rPr lang="de-DE" dirty="0"/>
+                        <a:t>sub</a:t>
+                      </a:r>
+                    </a:p>
+                  </a:txBody>
+                  <a:tcPr/>
+                </a:tc>
+                <a:tc>
+                  <a:txBody>
+                    <a:bodyPr/>
+                    <a:lstStyle/>
+                    <a:p>
+                      <a:pPr marL="285750" indent="-285750">
+                        <a:buFontTx/>
+                        <a:buChar char="-"/>
+                      </a:pPr>
+                      <a:r>
+                        <a:rPr lang="de-DE" dirty="0"/>
+                        <a:t>Subtraktion</a:t>
+                      </a:r>
+                    </a:p>
+                  </a:txBody>
+                  <a:tcPr/>
+                </a:tc>
+                <a:extLst>
+                  <a:ext uri="{0D108BD9-81ED-4DB2-BD59-A6C34878D82A}">
+                    <a16:rowId xmlns:a16="http://schemas.microsoft.com/office/drawing/2014/main" val="548426433"/>
+                  </a:ext>
+                </a:extLst>
+              </a:tr>
+              <a:tr h="370840">
+                <a:tc>
+                  <a:txBody>
+                    <a:bodyPr/>
+                    <a:lstStyle/>
+                    <a:p>
+                      <a:r>
+                        <a:rPr lang="de-DE" dirty="0"/>
+                        <a:t>mul</a:t>
+                      </a:r>
+                    </a:p>
+                  </a:txBody>
+                  <a:tcPr/>
+                </a:tc>
+                <a:tc>
+                  <a:txBody>
+                    <a:bodyPr/>
+                    <a:lstStyle/>
+                    <a:p>
+                      <a:pPr marL="285750" indent="-285750">
+                        <a:buFontTx/>
+                        <a:buChar char="-"/>
+                      </a:pPr>
+                      <a:r>
+                        <a:rPr lang="de-DE" dirty="0"/>
+                        <a:t>Multiplikation</a:t>
+                      </a:r>
+                    </a:p>
+                  </a:txBody>
+                  <a:tcPr/>
+                </a:tc>
+                <a:extLst>
+                  <a:ext uri="{0D108BD9-81ED-4DB2-BD59-A6C34878D82A}">
+                    <a16:rowId xmlns:a16="http://schemas.microsoft.com/office/drawing/2014/main" val="2543626398"/>
+                  </a:ext>
+                </a:extLst>
+              </a:tr>
+              <a:tr h="370840">
+                <a:tc>
+                  <a:txBody>
+                    <a:bodyPr/>
+                    <a:lstStyle/>
+                    <a:p>
+                      <a:r>
+                        <a:rPr lang="de-DE" dirty="0"/>
+                        <a:t>div</a:t>
+                      </a:r>
+                    </a:p>
+                  </a:txBody>
+                  <a:tcPr/>
+                </a:tc>
+                <a:tc>
+                  <a:txBody>
+                    <a:bodyPr/>
+                    <a:lstStyle/>
+                    <a:p>
+                      <a:pPr marL="285750" indent="-285750">
+                        <a:buFontTx/>
+                        <a:buChar char="-"/>
+                      </a:pPr>
+                      <a:r>
+                        <a:rPr lang="de-DE" dirty="0"/>
+                        <a:t>Division</a:t>
+                      </a:r>
+                    </a:p>
+                  </a:txBody>
+                  <a:tcPr/>
+                </a:tc>
+                <a:extLst>
+                  <a:ext uri="{0D108BD9-81ED-4DB2-BD59-A6C34878D82A}">
+                    <a16:rowId xmlns:a16="http://schemas.microsoft.com/office/drawing/2014/main" val="3936765572"/>
+                  </a:ext>
+                </a:extLst>
+              </a:tr>
+              <a:tr h="370840">
+                <a:tc>
+                  <a:txBody>
+                    <a:bodyPr/>
+                    <a:lstStyle/>
+                    <a:p>
+                      <a:r>
+                        <a:rPr lang="de-DE" dirty="0" err="1"/>
+                        <a:t>int</a:t>
+                      </a:r>
+                      <a:endParaRPr lang="de-DE" dirty="0"/>
+                    </a:p>
+                  </a:txBody>
+                  <a:tcPr/>
+                </a:tc>
+                <a:tc>
+                  <a:txBody>
+                    <a:bodyPr/>
+                    <a:lstStyle/>
+                    <a:p>
+                      <a:pPr marL="285750" indent="-285750">
+                        <a:buFontTx/>
+                        <a:buChar char="-"/>
+                      </a:pPr>
+                      <a:r>
+                        <a:rPr lang="de-DE" dirty="0"/>
+                        <a:t>Interrupt</a:t>
+                      </a:r>
+                    </a:p>
+                  </a:txBody>
+                  <a:tcPr/>
+                </a:tc>
+                <a:extLst>
+                  <a:ext uri="{0D108BD9-81ED-4DB2-BD59-A6C34878D82A}">
+                    <a16:rowId xmlns:a16="http://schemas.microsoft.com/office/drawing/2014/main" val="873218023"/>
+                  </a:ext>
+                </a:extLst>
+              </a:tr>
+            </a:tbl>
+          </a:graphicData>
+        </a:graphic>
+      </p:graphicFrame>
+    </p:spTree>
+    <p:extLst>
+      <p:ext uri="{BB962C8B-B14F-4D97-AF65-F5344CB8AC3E}">
+        <p14:creationId xmlns:p14="http://schemas.microsoft.com/office/powerpoint/2010/main" val="4264246062"/>
+      </p:ext>
+    </p:extLst>
+  </p:cSld>
+  <p:clrMapOvr>
+    <a:masterClrMapping/>
+  </p:clrMapOvr>
+</p:sld>
+</file>
+
 <file path=ppt/slides/slide2.xml><?xml version="1.0" encoding="utf-8"?>
 <p:sld xmlns:a="http://schemas.openxmlformats.org/drawingml/2006/main" xmlns:r="http://schemas.openxmlformats.org/officeDocument/2006/relationships" xmlns:p="http://schemas.openxmlformats.org/presentationml/2006/main">
   <p:cSld>
@@ -3995,55 +4772,141 @@
         </p:nvSpPr>
         <p:spPr>
           <a:xfrm>
-            <a:off x="3869268" y="864108"/>
-            <a:ext cx="7315200" cy="5120640"/>
+            <a:off x="3869268" y="788311"/>
+            <a:ext cx="7315200" cy="4936709"/>
           </a:xfrm>
         </p:spPr>
         <p:txBody>
           <a:bodyPr/>
           <a:lstStyle/>
           <a:p>
+            <a:pPr>
+              <a:lnSpc>
+                <a:spcPct val="150000"/>
+              </a:lnSpc>
+            </a:pPr>
             <a:r>
               <a:rPr lang="de-DE" dirty="0"/>
               <a:t>CISC</a:t>
             </a:r>
           </a:p>
           <a:p>
-            <a:pPr lvl="1"/>
+            <a:pPr lvl="1">
+              <a:lnSpc>
+                <a:spcPct val="150000"/>
+              </a:lnSpc>
+            </a:pPr>
+            <a:r>
+              <a:rPr lang="de-DE" b="1" dirty="0"/>
+              <a:t>C</a:t>
+            </a:r>
             <a:r>
               <a:rPr lang="de-DE" dirty="0"/>
-              <a:t>Complex Instruction Set Computer</a:t>
-            </a:r>
-          </a:p>
-          <a:p>
-            <a:pPr lvl="1"/>
+              <a:t>omplex </a:t>
+            </a:r>
+            <a:r>
+              <a:rPr lang="de-DE" b="1" dirty="0"/>
+              <a:t>I</a:t>
+            </a:r>
+            <a:r>
+              <a:rPr lang="de-DE" dirty="0"/>
+              <a:t>nstruction </a:t>
+            </a:r>
+            <a:r>
+              <a:rPr lang="de-DE" b="1" dirty="0"/>
+              <a:t>S</a:t>
+            </a:r>
+            <a:r>
+              <a:rPr lang="de-DE" dirty="0"/>
+              <a:t>et </a:t>
+            </a:r>
+            <a:r>
+              <a:rPr lang="de-DE" b="1" dirty="0"/>
+              <a:t>C</a:t>
+            </a:r>
+            <a:r>
+              <a:rPr lang="de-DE" dirty="0"/>
+              <a:t>omputer</a:t>
+            </a:r>
+          </a:p>
+          <a:p>
+            <a:pPr lvl="1">
+              <a:lnSpc>
+                <a:spcPct val="150000"/>
+              </a:lnSpc>
+            </a:pPr>
             <a:r>
               <a:rPr lang="de-DE" dirty="0"/>
               <a:t>Ziel: Ein Task in so wenig Zeilen wie möglich abarbeiten</a:t>
             </a:r>
           </a:p>
           <a:p>
-            <a:pPr lvl="1"/>
+            <a:pPr lvl="1">
+              <a:lnSpc>
+                <a:spcPct val="150000"/>
+              </a:lnSpc>
+            </a:pPr>
             <a:r>
               <a:rPr lang="de-DE" dirty="0"/>
               <a:t>Vorfahre von RISC</a:t>
             </a:r>
           </a:p>
           <a:p>
+            <a:pPr>
+              <a:lnSpc>
+                <a:spcPct val="150000"/>
+              </a:lnSpc>
+            </a:pPr>
             <a:r>
               <a:rPr lang="de-DE" dirty="0"/>
               <a:t>RISC</a:t>
             </a:r>
           </a:p>
           <a:p>
-            <a:pPr lvl="1"/>
+            <a:pPr lvl="1">
+              <a:lnSpc>
+                <a:spcPct val="150000"/>
+              </a:lnSpc>
+            </a:pPr>
+            <a:r>
+              <a:rPr lang="de-DE" b="1" dirty="0"/>
+              <a:t>R</a:t>
+            </a:r>
             <a:r>
               <a:rPr lang="de-DE" dirty="0"/>
-              <a:t>Reduced Instruction Set Computer</a:t>
-            </a:r>
-          </a:p>
-          <a:p>
-            <a:pPr lvl="1"/>
+              <a:t>educed </a:t>
+            </a:r>
+            <a:r>
+              <a:rPr lang="de-DE" b="1" dirty="0"/>
+              <a:t>I</a:t>
+            </a:r>
+            <a:r>
+              <a:rPr lang="de-DE" dirty="0"/>
+              <a:t>nstruction </a:t>
+            </a:r>
+            <a:r>
+              <a:rPr lang="de-DE" b="1" dirty="0"/>
+              <a:t>S</a:t>
+            </a:r>
+            <a:r>
+              <a:rPr lang="de-DE" dirty="0"/>
+              <a:t>et </a:t>
+            </a:r>
+            <a:r>
+              <a:rPr lang="de-DE" b="1" dirty="0"/>
+              <a:t>C</a:t>
+            </a:r>
+            <a:r>
+              <a:rPr lang="de-DE" dirty="0"/>
+              <a:t>omputer</a:t>
+            </a:r>
+          </a:p>
+          <a:p>
+            <a:pPr lvl="1">
+              <a:lnSpc>
+                <a:spcPct val="150000"/>
+              </a:lnSpc>
+            </a:pPr>
             <a:r>
               <a:rPr lang="de-DE" dirty="0"/>
               <a:t>Ziel: Einfache Instruktionen in einem </a:t>
@@ -4058,7 +4921,11 @@
             </a:r>
           </a:p>
           <a:p>
-            <a:pPr lvl="1"/>
+            <a:pPr lvl="1">
+              <a:lnSpc>
+                <a:spcPct val="150000"/>
+              </a:lnSpc>
+            </a:pPr>
             <a:r>
               <a:rPr lang="de-DE" dirty="0"/>
               <a:t>Wurde wegen des Fortschreitens von 8- und 16-Bit- zu 32-Bit-Architekturen benötigt</a:t>
@@ -4326,14 +5193,14 @@
             <p:ph idx="1"/>
             <p:extLst>
               <p:ext uri="{D42A27DB-BD31-4B8C-83A1-F6EECF244321}">
-                <p14:modId xmlns:p14="http://schemas.microsoft.com/office/powerpoint/2010/main" val="4167606911"/>
+                <p14:modId xmlns:p14="http://schemas.microsoft.com/office/powerpoint/2010/main" val="3011578105"/>
               </p:ext>
             </p:extLst>
           </p:nvPr>
         </p:nvGraphicFramePr>
         <p:xfrm>
           <a:off x="3868738" y="863600"/>
-          <a:ext cx="7315200" cy="3576320"/>
+          <a:ext cx="7315200" cy="2565400"/>
         </p:xfrm>
         <a:graphic>
           <a:graphicData uri="http://schemas.openxmlformats.org/drawingml/2006/table">
@@ -4397,8 +5264,15 @@
                     <a:lstStyle/>
                     <a:p>
                       <a:r>
-                        <a:rPr lang="de-DE" noProof="0"/>
-                        <a:t>Schwerpunkt auf Hardware</a:t>
+                        <a:rPr lang="de-DE" sz="1600" noProof="0" dirty="0">
+                          <a:solidFill>
+                            <a:schemeClr val="tx1">
+                              <a:lumMod val="65000"/>
+                              <a:lumOff val="35000"/>
+                            </a:schemeClr>
+                          </a:solidFill>
+                        </a:rPr>
+                        <a:t>Schwerpunkt Hardware</a:t>
                       </a:r>
                     </a:p>
                   </a:txBody>
@@ -4410,8 +5284,15 @@
                     <a:lstStyle/>
                     <a:p>
                       <a:r>
-                        <a:rPr lang="de-DE" noProof="0"/>
-                        <a:t>Schwerpunkt auf Software</a:t>
+                        <a:rPr lang="de-DE" sz="1600" noProof="0" dirty="0">
+                          <a:solidFill>
+                            <a:schemeClr val="tx1">
+                              <a:lumMod val="65000"/>
+                              <a:lumOff val="35000"/>
+                            </a:schemeClr>
+                          </a:solidFill>
+                        </a:rPr>
+                        <a:t>Schwerpunkt Software</a:t>
                       </a:r>
                     </a:p>
                   </a:txBody>
@@ -4430,8 +5311,37 @@
                     <a:lstStyle/>
                     <a:p>
                       <a:r>
-                        <a:rPr lang="de-DE" noProof="0"/>
-                        <a:t>Beinhaltet Multi-Clock komplexe Anweisungen</a:t>
+                        <a:rPr lang="de-DE" sz="1600" noProof="0" dirty="0">
+                          <a:solidFill>
+                            <a:schemeClr val="tx1">
+                              <a:lumMod val="65000"/>
+                              <a:lumOff val="35000"/>
+                            </a:schemeClr>
+                          </a:solidFill>
+                        </a:rPr>
+                        <a:t>Multi-</a:t>
+                      </a:r>
+                      <a:r>
+                        <a:rPr lang="de-DE" sz="1600" noProof="0" dirty="0" err="1">
+                          <a:solidFill>
+                            <a:schemeClr val="tx1">
+                              <a:lumMod val="65000"/>
+                              <a:lumOff val="35000"/>
+                            </a:schemeClr>
+                          </a:solidFill>
+                        </a:rPr>
+                        <a:t>clock</a:t>
+                      </a:r>
+                      <a:r>
+                        <a:rPr lang="de-DE" sz="1600" noProof="0" dirty="0">
+                          <a:solidFill>
+                            <a:schemeClr val="tx1">
+                              <a:lumMod val="65000"/>
+                              <a:lumOff val="35000"/>
+                            </a:schemeClr>
+                          </a:solidFill>
+                        </a:rPr>
+                        <a:t> komplexe Anweisungen</a:t>
                       </a:r>
                     </a:p>
                   </a:txBody>
@@ -4460,33 +5370,28 @@
                         <a:defRPr/>
                       </a:pPr>
                       <a:r>
-                        <a:rPr lang="en-US" sz="1800" b="0" i="0" kern="1200" noProof="0">
+                        <a:rPr lang="en-US" sz="1600" b="0" i="0" kern="1200" noProof="0" dirty="0">
                           <a:solidFill>
-                            <a:schemeClr val="dk1"/>
+                            <a:schemeClr val="tx1">
+                              <a:lumMod val="65000"/>
+                              <a:lumOff val="35000"/>
+                            </a:schemeClr>
                           </a:solidFill>
                           <a:effectLst/>
                           <a:latin typeface="+mn-lt"/>
                           <a:ea typeface="+mn-ea"/>
                           <a:cs typeface="+mn-cs"/>
                         </a:rPr>
-                        <a:t>Single-clock,</a:t>
+                        <a:t>Single-clock (reduced instruction only)</a:t>
                       </a:r>
-                      <a:br>
-                        <a:rPr lang="en-US" noProof="0"/>
-                      </a:br>
-                      <a:r>
-                        <a:rPr lang="en-US" sz="1800" b="0" i="0" kern="1200" noProof="0">
-                          <a:solidFill>
-                            <a:schemeClr val="dk1"/>
-                          </a:solidFill>
-                          <a:effectLst/>
-                          <a:latin typeface="+mn-lt"/>
-                          <a:ea typeface="+mn-ea"/>
-                          <a:cs typeface="+mn-cs"/>
-                        </a:rPr>
-                        <a:t>reduced instruction only</a:t>
-                      </a:r>
-                      <a:endParaRPr lang="de-DE" noProof="0"/>
+                      <a:endParaRPr lang="de-DE" sz="1600" noProof="0" dirty="0">
+                        <a:solidFill>
+                          <a:schemeClr val="tx1">
+                            <a:lumMod val="65000"/>
+                            <a:lumOff val="35000"/>
+                          </a:schemeClr>
+                        </a:solidFill>
+                      </a:endParaRPr>
                     </a:p>
                   </a:txBody>
                   <a:tcPr/>
@@ -4494,122 +5399,6 @@
                 <a:extLst>
                   <a:ext uri="{0D108BD9-81ED-4DB2-BD59-A6C34878D82A}">
                     <a16:rowId xmlns:a16="http://schemas.microsoft.com/office/drawing/2014/main" val="3914462225"/>
-                  </a:ext>
-                </a:extLst>
-              </a:tr>
-              <a:tr h="370840">
-                <a:tc>
-                  <a:txBody>
-                    <a:bodyPr/>
-                    <a:lstStyle/>
-                    <a:p>
-                      <a:r>
-                        <a:rPr lang="en-US" sz="1800" b="0" i="0" kern="1200" noProof="0" dirty="0">
-                          <a:solidFill>
-                            <a:schemeClr val="dk1"/>
-                          </a:solidFill>
-                          <a:effectLst/>
-                          <a:latin typeface="+mn-lt"/>
-                          <a:ea typeface="+mn-ea"/>
-                          <a:cs typeface="+mn-cs"/>
-                        </a:rPr>
-                        <a:t>Memory-to-memory:</a:t>
-                      </a:r>
-                      <a:br>
-                        <a:rPr lang="en-US" noProof="0" dirty="0"/>
-                      </a:br>
-                      <a:r>
-                        <a:rPr lang="en-US" sz="1800" b="0" i="0" kern="1200" noProof="0" dirty="0">
-                          <a:solidFill>
-                            <a:schemeClr val="dk1"/>
-                          </a:solidFill>
-                          <a:effectLst/>
-                          <a:latin typeface="+mn-lt"/>
-                          <a:ea typeface="+mn-ea"/>
-                          <a:cs typeface="+mn-cs"/>
-                        </a:rPr>
-                        <a:t>"LOAD" und "STORE" in Anweisungen </a:t>
-                      </a:r>
-                      <a:r>
-                        <a:rPr lang="en-US" sz="1800" b="0" i="0" kern="1200" noProof="0" dirty="0" err="1">
-                          <a:solidFill>
-                            <a:schemeClr val="dk1"/>
-                          </a:solidFill>
-                          <a:effectLst/>
-                          <a:latin typeface="+mn-lt"/>
-                          <a:ea typeface="+mn-ea"/>
-                          <a:cs typeface="+mn-cs"/>
-                        </a:rPr>
-                        <a:t>eingebettet</a:t>
-                      </a:r>
-                      <a:endParaRPr lang="de-DE" noProof="0" dirty="0"/>
-                    </a:p>
-                  </a:txBody>
-                  <a:tcPr/>
-                </a:tc>
-                <a:tc>
-                  <a:txBody>
-                    <a:bodyPr/>
-                    <a:lstStyle/>
-                    <a:p>
-                      <a:r>
-                        <a:rPr lang="de-DE" noProof="0" dirty="0"/>
-                        <a:t>Register-</a:t>
-                      </a:r>
-                      <a:r>
-                        <a:rPr lang="de-DE" noProof="0" dirty="0" err="1"/>
-                        <a:t>to</a:t>
-                      </a:r>
-                      <a:r>
-                        <a:rPr lang="de-DE" noProof="0" dirty="0"/>
-                        <a:t>-register:</a:t>
-                      </a:r>
-                    </a:p>
-                    <a:p>
-                      <a:r>
-                        <a:rPr lang="en-US" sz="1800" b="0" i="0" kern="1200" noProof="0" dirty="0">
-                          <a:solidFill>
-                            <a:schemeClr val="dk1"/>
-                          </a:solidFill>
-                          <a:effectLst/>
-                          <a:latin typeface="+mn-lt"/>
-                          <a:ea typeface="+mn-ea"/>
-                          <a:cs typeface="+mn-cs"/>
-                        </a:rPr>
-                        <a:t>"LOAD" und "STORE" </a:t>
-                      </a:r>
-                      <a:r>
-                        <a:rPr lang="en-US" sz="1800" b="0" i="0" kern="1200" noProof="0" dirty="0" err="1">
-                          <a:solidFill>
-                            <a:schemeClr val="dk1"/>
-                          </a:solidFill>
-                          <a:effectLst/>
-                          <a:latin typeface="+mn-lt"/>
-                          <a:ea typeface="+mn-ea"/>
-                          <a:cs typeface="+mn-cs"/>
-                        </a:rPr>
-                        <a:t>unabhängige</a:t>
-                      </a:r>
-                      <a:r>
-                        <a:rPr lang="en-US" sz="1800" b="0" i="0" kern="1200" noProof="0" dirty="0">
-                          <a:solidFill>
-                            <a:schemeClr val="dk1"/>
-                          </a:solidFill>
-                          <a:effectLst/>
-                          <a:latin typeface="+mn-lt"/>
-                          <a:ea typeface="+mn-ea"/>
-                          <a:cs typeface="+mn-cs"/>
-                        </a:rPr>
-                        <a:t> Anweisungen</a:t>
-                      </a:r>
-                      <a:endParaRPr lang="de-DE" noProof="0" dirty="0"/>
-                    </a:p>
-                  </a:txBody>
-                  <a:tcPr/>
-                </a:tc>
-                <a:extLst>
-                  <a:ext uri="{0D108BD9-81ED-4DB2-BD59-A6C34878D82A}">
-                    <a16:rowId xmlns:a16="http://schemas.microsoft.com/office/drawing/2014/main" val="1891333663"/>
                   </a:ext>
                 </a:extLst>
               </a:tr>
@@ -4637,10 +5426,24 @@
                         <a:defRPr/>
                       </a:pPr>
                       <a:r>
-                        <a:rPr lang="de" noProof="0" dirty="0"/>
+                        <a:rPr lang="de" sz="1600" noProof="0" dirty="0">
+                          <a:solidFill>
+                            <a:schemeClr val="tx1">
+                              <a:lumMod val="65000"/>
+                              <a:lumOff val="35000"/>
+                            </a:schemeClr>
+                          </a:solidFill>
+                        </a:rPr>
                         <a:t>Weniger Code, hohe Zyklen pro Sekunde</a:t>
                       </a:r>
-                      <a:endParaRPr lang="de-DE" noProof="0" dirty="0"/>
+                      <a:endParaRPr lang="de-DE" sz="1600" noProof="0" dirty="0">
+                        <a:solidFill>
+                          <a:schemeClr val="tx1">
+                            <a:lumMod val="65000"/>
+                            <a:lumOff val="35000"/>
+                          </a:schemeClr>
+                        </a:solidFill>
+                      </a:endParaRPr>
                     </a:p>
                   </a:txBody>
                   <a:tcPr/>
@@ -4651,7 +5454,14 @@
                     <a:lstStyle/>
                     <a:p>
                       <a:r>
-                        <a:rPr lang="de-DE" noProof="0" dirty="0"/>
+                        <a:rPr lang="de-DE" sz="1600" noProof="0" dirty="0">
+                          <a:solidFill>
+                            <a:schemeClr val="tx1">
+                              <a:lumMod val="65000"/>
+                              <a:lumOff val="35000"/>
+                            </a:schemeClr>
+                          </a:solidFill>
+                        </a:rPr>
                         <a:t>Mehr Code, niedrige Zyklen pro Sekunde</a:t>
                       </a:r>
                     </a:p>
@@ -4671,7 +5481,14 @@
                     <a:lstStyle/>
                     <a:p>
                       <a:r>
-                        <a:rPr lang="de-DE" noProof="0" dirty="0"/>
+                        <a:rPr lang="de-DE" sz="1600" noProof="0" dirty="0">
+                          <a:solidFill>
+                            <a:schemeClr val="tx1">
+                              <a:lumMod val="65000"/>
+                              <a:lumOff val="35000"/>
+                            </a:schemeClr>
+                          </a:solidFill>
+                        </a:rPr>
                         <a:t>Transistoren zum Speichern verwendet komplexe Anweisungen</a:t>
                       </a:r>
                     </a:p>
@@ -4684,7 +5501,14 @@
                     <a:lstStyle/>
                     <a:p>
                       <a:r>
-                        <a:rPr lang="de-DE" noProof="0" dirty="0"/>
+                        <a:rPr lang="de-DE" sz="1600" noProof="0" dirty="0">
+                          <a:solidFill>
+                            <a:schemeClr val="tx1">
+                              <a:lumMod val="65000"/>
+                              <a:lumOff val="35000"/>
+                            </a:schemeClr>
+                          </a:solidFill>
+                        </a:rPr>
                         <a:t>Verwendet mehr Transistoren in den Speicherregistern</a:t>
                       </a:r>
                     </a:p>
@@ -4697,6 +5521,182 @@
                   </a:ext>
                 </a:extLst>
               </a:tr>
+              <a:tr h="370840">
+                <a:tc>
+                  <a:txBody>
+                    <a:bodyPr/>
+                    <a:lstStyle/>
+                    <a:p>
+                      <a:r>
+                        <a:rPr lang="en-US" sz="1600" b="0" i="0" kern="1200" noProof="0" dirty="0">
+                          <a:solidFill>
+                            <a:schemeClr val="tx1">
+                              <a:lumMod val="65000"/>
+                              <a:lumOff val="35000"/>
+                            </a:schemeClr>
+                          </a:solidFill>
+                          <a:effectLst/>
+                          <a:latin typeface="+mn-lt"/>
+                          <a:ea typeface="+mn-ea"/>
+                          <a:cs typeface="+mn-cs"/>
+                        </a:rPr>
+                        <a:t>Memory-to-memory:</a:t>
+                      </a:r>
+                      <a:br>
+                        <a:rPr lang="en-US" sz="1600" noProof="0" dirty="0">
+                          <a:solidFill>
+                            <a:schemeClr val="tx1">
+                              <a:lumMod val="65000"/>
+                              <a:lumOff val="35000"/>
+                            </a:schemeClr>
+                          </a:solidFill>
+                        </a:rPr>
+                      </a:br>
+                      <a:r>
+                        <a:rPr lang="en-US" sz="1100" b="0" i="0" kern="1200" noProof="0" dirty="0">
+                          <a:solidFill>
+                            <a:schemeClr val="tx1">
+                              <a:lumMod val="65000"/>
+                              <a:lumOff val="35000"/>
+                            </a:schemeClr>
+                          </a:solidFill>
+                          <a:effectLst/>
+                          <a:latin typeface="+mn-lt"/>
+                          <a:ea typeface="+mn-ea"/>
+                          <a:cs typeface="+mn-cs"/>
+                        </a:rPr>
+                        <a:t>"LOAD" und "STORE" in Anweisungen </a:t>
+                      </a:r>
+                      <a:r>
+                        <a:rPr lang="en-US" sz="1100" b="0" i="0" kern="1200" noProof="0" dirty="0" err="1">
+                          <a:solidFill>
+                            <a:schemeClr val="tx1">
+                              <a:lumMod val="65000"/>
+                              <a:lumOff val="35000"/>
+                            </a:schemeClr>
+                          </a:solidFill>
+                          <a:effectLst/>
+                          <a:latin typeface="+mn-lt"/>
+                          <a:ea typeface="+mn-ea"/>
+                          <a:cs typeface="+mn-cs"/>
+                        </a:rPr>
+                        <a:t>eingebettet</a:t>
+                      </a:r>
+                      <a:endParaRPr lang="de-DE" sz="1600" noProof="0" dirty="0">
+                        <a:solidFill>
+                          <a:schemeClr val="tx1">
+                            <a:lumMod val="65000"/>
+                            <a:lumOff val="35000"/>
+                          </a:schemeClr>
+                        </a:solidFill>
+                      </a:endParaRPr>
+                    </a:p>
+                  </a:txBody>
+                  <a:tcPr/>
+                </a:tc>
+                <a:tc>
+                  <a:txBody>
+                    <a:bodyPr/>
+                    <a:lstStyle/>
+                    <a:p>
+                      <a:r>
+                        <a:rPr lang="de-DE" sz="1600" noProof="0" dirty="0">
+                          <a:solidFill>
+                            <a:schemeClr val="tx1">
+                              <a:lumMod val="65000"/>
+                              <a:lumOff val="35000"/>
+                            </a:schemeClr>
+                          </a:solidFill>
+                        </a:rPr>
+                        <a:t>Register-</a:t>
+                      </a:r>
+                      <a:r>
+                        <a:rPr lang="de-DE" sz="1600" noProof="0" dirty="0" err="1">
+                          <a:solidFill>
+                            <a:schemeClr val="tx1">
+                              <a:lumMod val="65000"/>
+                              <a:lumOff val="35000"/>
+                            </a:schemeClr>
+                          </a:solidFill>
+                        </a:rPr>
+                        <a:t>to</a:t>
+                      </a:r>
+                      <a:r>
+                        <a:rPr lang="de-DE" sz="1600" noProof="0" dirty="0">
+                          <a:solidFill>
+                            <a:schemeClr val="tx1">
+                              <a:lumMod val="65000"/>
+                              <a:lumOff val="35000"/>
+                            </a:schemeClr>
+                          </a:solidFill>
+                        </a:rPr>
+                        <a:t>-register:</a:t>
+                      </a:r>
+                    </a:p>
+                    <a:p>
+                      <a:r>
+                        <a:rPr lang="en-US" sz="1100" b="0" i="0" kern="1200" noProof="0" dirty="0">
+                          <a:solidFill>
+                            <a:schemeClr val="tx1">
+                              <a:lumMod val="65000"/>
+                              <a:lumOff val="35000"/>
+                            </a:schemeClr>
+                          </a:solidFill>
+                          <a:effectLst/>
+                          <a:latin typeface="+mn-lt"/>
+                          <a:ea typeface="+mn-ea"/>
+                          <a:cs typeface="+mn-cs"/>
+                        </a:rPr>
+                        <a:t>"LOAD" und "STORE" </a:t>
+                      </a:r>
+                      <a:r>
+                        <a:rPr lang="en-US" sz="1100" b="0" i="0" kern="1200" noProof="0" dirty="0" err="1">
+                          <a:solidFill>
+                            <a:schemeClr val="tx1">
+                              <a:lumMod val="65000"/>
+                              <a:lumOff val="35000"/>
+                            </a:schemeClr>
+                          </a:solidFill>
+                          <a:effectLst/>
+                          <a:latin typeface="+mn-lt"/>
+                          <a:ea typeface="+mn-ea"/>
+                          <a:cs typeface="+mn-cs"/>
+                        </a:rPr>
+                        <a:t>unabhängige</a:t>
+                      </a:r>
+                      <a:r>
+                        <a:rPr lang="en-US" sz="1100" b="0" i="0" kern="1200" noProof="0" dirty="0">
+                          <a:solidFill>
+                            <a:schemeClr val="tx1">
+                              <a:lumMod val="65000"/>
+                              <a:lumOff val="35000"/>
+                            </a:schemeClr>
+                          </a:solidFill>
+                          <a:effectLst/>
+                          <a:latin typeface="+mn-lt"/>
+                          <a:ea typeface="+mn-ea"/>
+                          <a:cs typeface="+mn-cs"/>
+                        </a:rPr>
+                        <a:t> Anweisungen</a:t>
+                      </a:r>
+                      <a:endParaRPr lang="de-DE" sz="1100" noProof="0" dirty="0">
+                        <a:solidFill>
+                          <a:schemeClr val="tx1">
+                            <a:lumMod val="65000"/>
+                            <a:lumOff val="35000"/>
+                          </a:schemeClr>
+                        </a:solidFill>
+                      </a:endParaRPr>
+                    </a:p>
+                  </a:txBody>
+                  <a:tcPr/>
+                </a:tc>
+                <a:extLst>
+                  <a:ext uri="{0D108BD9-81ED-4DB2-BD59-A6C34878D82A}">
+                    <a16:rowId xmlns:a16="http://schemas.microsoft.com/office/drawing/2014/main" val="3265054602"/>
+                  </a:ext>
+                </a:extLst>
+              </a:tr>
             </a:tbl>
           </a:graphicData>
         </a:graphic>
@@ -4787,6 +5787,66 @@
           </a:p>
         </p:txBody>
       </p:sp>
+      <p:pic>
+        <p:nvPicPr>
+          <p:cNvPr id="5" name="Picture 4" descr="A circuit board&#13;&#10;&#13;&#10;Description automatically generated">
+            <a:extLst>
+              <a:ext uri="{FF2B5EF4-FFF2-40B4-BE49-F238E27FC236}">
+                <a16:creationId xmlns:a16="http://schemas.microsoft.com/office/drawing/2014/main" id="{17B84A0E-6AFC-C44F-B43B-FF2ABF7A1B65}"/>
+              </a:ext>
+            </a:extLst>
+          </p:cNvPr>
+          <p:cNvPicPr>
+            <a:picLocks noChangeAspect="1"/>
+          </p:cNvPicPr>
+          <p:nvPr/>
+        </p:nvPicPr>
+        <p:blipFill>
+          <a:blip r:embed="rId3"/>
+          <a:stretch>
+            <a:fillRect/>
+          </a:stretch>
+        </p:blipFill>
+        <p:spPr>
+          <a:xfrm>
+            <a:off x="5065901" y="4235773"/>
+            <a:ext cx="1373589" cy="1237204"/>
+          </a:xfrm>
+          <a:prstGeom prst="rect">
+            <a:avLst/>
+          </a:prstGeom>
+        </p:spPr>
+      </p:pic>
+      <p:pic>
+        <p:nvPicPr>
+          <p:cNvPr id="8" name="Picture 7" descr="A circuit board&#13;&#10;&#13;&#10;Description automatically generated">
+            <a:extLst>
+              <a:ext uri="{FF2B5EF4-FFF2-40B4-BE49-F238E27FC236}">
+                <a16:creationId xmlns:a16="http://schemas.microsoft.com/office/drawing/2014/main" id="{77DCF18E-F0B5-B844-B2D8-326E329D041A}"/>
+              </a:ext>
+            </a:extLst>
+          </p:cNvPr>
+          <p:cNvPicPr>
+            <a:picLocks noChangeAspect="1"/>
+          </p:cNvPicPr>
+          <p:nvPr/>
+        </p:nvPicPr>
+        <p:blipFill>
+          <a:blip r:embed="rId4"/>
+          <a:stretch>
+            <a:fillRect/>
+          </a:stretch>
+        </p:blipFill>
+        <p:spPr>
+          <a:xfrm>
+            <a:off x="8304990" y="4235773"/>
+            <a:ext cx="1850519" cy="1237204"/>
+          </a:xfrm>
+          <a:prstGeom prst="rect">
+            <a:avLst/>
+          </a:prstGeom>
+        </p:spPr>
+      </p:pic>
     </p:spTree>
     <p:extLst>
       <p:ext uri="{BB962C8B-B14F-4D97-AF65-F5344CB8AC3E}">
@@ -4858,40 +5918,10 @@
       </p:sp>
       <p:sp>
         <p:nvSpPr>
-          <p:cNvPr id="3" name="Content Placeholder 2">
+          <p:cNvPr id="9" name="Rectangle 8">
             <a:extLst>
               <a:ext uri="{FF2B5EF4-FFF2-40B4-BE49-F238E27FC236}">
-                <a16:creationId xmlns:a16="http://schemas.microsoft.com/office/drawing/2014/main" id="{D2052285-1E8D-C241-9802-A601D8E3936B}"/>
-              </a:ext>
-            </a:extLst>
-          </p:cNvPr>
-          <p:cNvSpPr>
-            <a:spLocks noGrp="1"/>
-          </p:cNvSpPr>
-          <p:nvPr>
-            <p:ph idx="1"/>
-          </p:nvPr>
-        </p:nvSpPr>
-        <p:spPr>
-          <a:xfrm>
-            <a:off x="3869268" y="864108"/>
-            <a:ext cx="7315200" cy="5120640"/>
-          </a:xfrm>
-        </p:spPr>
-        <p:txBody>
-          <a:bodyPr/>
-          <a:lstStyle/>
-          <a:p>
-            <a:endParaRPr lang="de-DE" dirty="0"/>
-          </a:p>
-        </p:txBody>
-      </p:sp>
-      <p:sp>
-        <p:nvSpPr>
-          <p:cNvPr id="7" name="Rectangle 6">
-            <a:extLst>
-              <a:ext uri="{FF2B5EF4-FFF2-40B4-BE49-F238E27FC236}">
-                <a16:creationId xmlns:a16="http://schemas.microsoft.com/office/drawing/2014/main" id="{8B6FB2B2-1B71-C948-AB25-3CB96B46B604}"/>
+                <a16:creationId xmlns:a16="http://schemas.microsoft.com/office/drawing/2014/main" id="{92C4150B-1425-4B4B-9601-12F94AEABDB4}"/>
               </a:ext>
             </a:extLst>
           </p:cNvPr>
@@ -4900,19 +5930,709 @@
         </p:nvSpPr>
         <p:spPr>
           <a:xfrm>
-            <a:off x="3869268" y="5725020"/>
-            <a:ext cx="7315200" cy="367862"/>
+            <a:off x="83127" y="6589016"/>
+            <a:ext cx="12191999" cy="246221"/>
           </a:xfrm>
           <a:prstGeom prst="rect">
             <a:avLst/>
           </a:prstGeom>
+        </p:spPr>
+        <p:txBody>
+          <a:bodyPr wrap="square">
+            <a:spAutoFit/>
+          </a:bodyPr>
+          <a:lstStyle/>
+          <a:p>
+            <a:r>
+              <a:rPr lang="de-DE" sz="1000" dirty="0">
+                <a:solidFill>
+                  <a:schemeClr val="bg1">
+                    <a:lumMod val="75000"/>
+                  </a:schemeClr>
+                </a:solidFill>
+                <a:hlinkClick r:id="rId2">
+                  <a:extLst>
+                    <a:ext uri="{A12FA001-AC4F-418D-AE19-62706E023703}">
+                      <ahyp:hlinkClr xmlns:ahyp="http://schemas.microsoft.com/office/drawing/2018/hyperlinkcolor" val="tx"/>
+                    </a:ext>
+                  </a:extLst>
+                </a:hlinkClick>
+              </a:rPr>
+              <a:t>https://</a:t>
+            </a:r>
+            <a:r>
+              <a:rPr lang="de-DE" sz="1000" dirty="0" err="1">
+                <a:solidFill>
+                  <a:schemeClr val="bg1">
+                    <a:lumMod val="75000"/>
+                  </a:schemeClr>
+                </a:solidFill>
+                <a:hlinkClick r:id="rId2">
+                  <a:extLst>
+                    <a:ext uri="{A12FA001-AC4F-418D-AE19-62706E023703}">
+                      <ahyp:hlinkClr xmlns:ahyp="http://schemas.microsoft.com/office/drawing/2018/hyperlinkcolor" val="tx"/>
+                    </a:ext>
+                  </a:extLst>
+                </a:hlinkClick>
+              </a:rPr>
+              <a:t>www.tutorialspoint.com</a:t>
+            </a:r>
+            <a:r>
+              <a:rPr lang="de-DE" sz="1000" dirty="0">
+                <a:solidFill>
+                  <a:schemeClr val="bg1">
+                    <a:lumMod val="75000"/>
+                  </a:schemeClr>
+                </a:solidFill>
+                <a:hlinkClick r:id="rId2">
+                  <a:extLst>
+                    <a:ext uri="{A12FA001-AC4F-418D-AE19-62706E023703}">
+                      <ahyp:hlinkClr xmlns:ahyp="http://schemas.microsoft.com/office/drawing/2018/hyperlinkcolor" val="tx"/>
+                    </a:ext>
+                  </a:extLst>
+                </a:hlinkClick>
+              </a:rPr>
+              <a:t>/</a:t>
+            </a:r>
+            <a:r>
+              <a:rPr lang="de-DE" sz="1000" dirty="0" err="1">
+                <a:solidFill>
+                  <a:schemeClr val="bg1">
+                    <a:lumMod val="75000"/>
+                  </a:schemeClr>
+                </a:solidFill>
+                <a:hlinkClick r:id="rId2">
+                  <a:extLst>
+                    <a:ext uri="{A12FA001-AC4F-418D-AE19-62706E023703}">
+                      <ahyp:hlinkClr xmlns:ahyp="http://schemas.microsoft.com/office/drawing/2018/hyperlinkcolor" val="tx"/>
+                    </a:ext>
+                  </a:extLst>
+                </a:hlinkClick>
+              </a:rPr>
+              <a:t>assembly_programming</a:t>
+            </a:r>
+            <a:r>
+              <a:rPr lang="de-DE" sz="1000" dirty="0">
+                <a:solidFill>
+                  <a:schemeClr val="bg1">
+                    <a:lumMod val="75000"/>
+                  </a:schemeClr>
+                </a:solidFill>
+                <a:hlinkClick r:id="rId2">
+                  <a:extLst>
+                    <a:ext uri="{A12FA001-AC4F-418D-AE19-62706E023703}">
+                      <ahyp:hlinkClr xmlns:ahyp="http://schemas.microsoft.com/office/drawing/2018/hyperlinkcolor" val="tx"/>
+                    </a:ext>
+                  </a:extLst>
+                </a:hlinkClick>
+              </a:rPr>
+              <a:t>/</a:t>
+            </a:r>
+            <a:endParaRPr lang="de-DE" sz="1000" dirty="0">
+              <a:solidFill>
+                <a:schemeClr val="bg1">
+                  <a:lumMod val="75000"/>
+                </a:schemeClr>
+              </a:solidFill>
+            </a:endParaRPr>
+          </a:p>
+        </p:txBody>
+      </p:sp>
+      <p:graphicFrame>
+        <p:nvGraphicFramePr>
+          <p:cNvPr id="10" name="Table 9">
+            <a:extLst>
+              <a:ext uri="{FF2B5EF4-FFF2-40B4-BE49-F238E27FC236}">
+                <a16:creationId xmlns:a16="http://schemas.microsoft.com/office/drawing/2014/main" id="{D0EFF0E6-4BB0-AB4E-B265-5CE37D8A6E14}"/>
+              </a:ext>
+            </a:extLst>
+          </p:cNvPr>
+          <p:cNvGraphicFramePr>
+            <a:graphicFrameLocks noGrp="1"/>
+          </p:cNvGraphicFramePr>
+          <p:nvPr>
+            <p:extLst>
+              <p:ext uri="{D42A27DB-BD31-4B8C-83A1-F6EECF244321}">
+                <p14:modId xmlns:p14="http://schemas.microsoft.com/office/powerpoint/2010/main" val="3266384302"/>
+              </p:ext>
+            </p:extLst>
+          </p:nvPr>
+        </p:nvGraphicFramePr>
+        <p:xfrm>
+          <a:off x="3869268" y="755974"/>
+          <a:ext cx="7315200" cy="2865120"/>
+        </p:xfrm>
+        <a:graphic>
+          <a:graphicData uri="http://schemas.openxmlformats.org/drawingml/2006/table">
+            <a:tbl>
+              <a:tblPr firstRow="1" bandRow="1">
+                <a:tableStyleId>{5C22544A-7EE6-4342-B048-85BDC9FD1C3A}</a:tableStyleId>
+              </a:tblPr>
+              <a:tblGrid>
+                <a:gridCol w="3657600">
+                  <a:extLst>
+                    <a:ext uri="{9D8B030D-6E8A-4147-A177-3AD203B41FA5}">
+                      <a16:colId xmlns:a16="http://schemas.microsoft.com/office/drawing/2014/main" val="2317206412"/>
+                    </a:ext>
+                  </a:extLst>
+                </a:gridCol>
+                <a:gridCol w="3657600">
+                  <a:extLst>
+                    <a:ext uri="{9D8B030D-6E8A-4147-A177-3AD203B41FA5}">
+                      <a16:colId xmlns:a16="http://schemas.microsoft.com/office/drawing/2014/main" val="3589141513"/>
+                    </a:ext>
+                  </a:extLst>
+                </a:gridCol>
+              </a:tblGrid>
+              <a:tr h="370840">
+                <a:tc>
+                  <a:txBody>
+                    <a:bodyPr/>
+                    <a:lstStyle/>
+                    <a:p>
+                      <a:r>
+                        <a:rPr lang="de-DE" dirty="0"/>
+                        <a:t>Anweisung</a:t>
+                      </a:r>
+                    </a:p>
+                  </a:txBody>
+                  <a:tcPr/>
+                </a:tc>
+                <a:tc>
+                  <a:txBody>
+                    <a:bodyPr/>
+                    <a:lstStyle/>
+                    <a:p>
+                      <a:r>
+                        <a:rPr lang="de-DE" dirty="0"/>
+                        <a:t>Beschreibung</a:t>
+                      </a:r>
+                    </a:p>
+                  </a:txBody>
+                  <a:tcPr/>
+                </a:tc>
+                <a:extLst>
+                  <a:ext uri="{0D108BD9-81ED-4DB2-BD59-A6C34878D82A}">
+                    <a16:rowId xmlns:a16="http://schemas.microsoft.com/office/drawing/2014/main" val="1781904454"/>
+                  </a:ext>
+                </a:extLst>
+              </a:tr>
+              <a:tr h="370840">
+                <a:tc>
+                  <a:txBody>
+                    <a:bodyPr/>
+                    <a:lstStyle/>
+                    <a:p>
+                      <a:r>
+                        <a:rPr lang="de-DE" dirty="0">
+                          <a:solidFill>
+                            <a:schemeClr val="tx1">
+                              <a:lumMod val="65000"/>
+                              <a:lumOff val="35000"/>
+                            </a:schemeClr>
+                          </a:solidFill>
+                        </a:rPr>
+                        <a:t>mov</a:t>
+                      </a:r>
+                    </a:p>
+                  </a:txBody>
+                  <a:tcPr/>
+                </a:tc>
+                <a:tc>
+                  <a:txBody>
+                    <a:bodyPr/>
+                    <a:lstStyle/>
+                    <a:p>
+                      <a:pPr marL="285750" indent="-285750">
+                        <a:buFontTx/>
+                        <a:buChar char="-"/>
+                      </a:pPr>
+                      <a:r>
+                        <a:rPr lang="de-DE" dirty="0" err="1">
+                          <a:solidFill>
+                            <a:schemeClr val="tx1">
+                              <a:lumMod val="65000"/>
+                              <a:lumOff val="35000"/>
+                            </a:schemeClr>
+                          </a:solidFill>
+                        </a:rPr>
+                        <a:t>move</a:t>
+                      </a:r>
+                      <a:r>
+                        <a:rPr lang="de-DE" dirty="0">
+                          <a:solidFill>
+                            <a:schemeClr val="tx1">
+                              <a:lumMod val="65000"/>
+                              <a:lumOff val="35000"/>
+                            </a:schemeClr>
+                          </a:solidFill>
+                        </a:rPr>
+                        <a:t> Anweisung</a:t>
+                      </a:r>
+                    </a:p>
+                    <a:p>
+                      <a:pPr marL="285750" indent="-285750">
+                        <a:buFontTx/>
+                        <a:buChar char="-"/>
+                      </a:pPr>
+                      <a:r>
+                        <a:rPr lang="de-DE" dirty="0">
+                          <a:solidFill>
+                            <a:schemeClr val="tx1">
+                              <a:lumMod val="65000"/>
+                              <a:lumOff val="35000"/>
+                            </a:schemeClr>
+                          </a:solidFill>
+                        </a:rPr>
+                        <a:t>Bewegt einen Wert in ein Register</a:t>
+                      </a:r>
+                    </a:p>
+                  </a:txBody>
+                  <a:tcPr/>
+                </a:tc>
+                <a:extLst>
+                  <a:ext uri="{0D108BD9-81ED-4DB2-BD59-A6C34878D82A}">
+                    <a16:rowId xmlns:a16="http://schemas.microsoft.com/office/drawing/2014/main" val="2647621659"/>
+                  </a:ext>
+                </a:extLst>
+              </a:tr>
+              <a:tr h="370840">
+                <a:tc>
+                  <a:txBody>
+                    <a:bodyPr/>
+                    <a:lstStyle/>
+                    <a:p>
+                      <a:r>
+                        <a:rPr lang="de-DE" dirty="0">
+                          <a:solidFill>
+                            <a:schemeClr val="tx1">
+                              <a:lumMod val="65000"/>
+                              <a:lumOff val="35000"/>
+                            </a:schemeClr>
+                          </a:solidFill>
+                        </a:rPr>
+                        <a:t>add </a:t>
+                      </a:r>
+                    </a:p>
+                  </a:txBody>
+                  <a:tcPr/>
+                </a:tc>
+                <a:tc>
+                  <a:txBody>
+                    <a:bodyPr/>
+                    <a:lstStyle/>
+                    <a:p>
+                      <a:pPr marL="285750" indent="-285750">
+                        <a:buFontTx/>
+                        <a:buChar char="-"/>
+                      </a:pPr>
+                      <a:r>
+                        <a:rPr lang="de-DE" dirty="0">
+                          <a:solidFill>
+                            <a:schemeClr val="tx1">
+                              <a:lumMod val="65000"/>
+                              <a:lumOff val="35000"/>
+                            </a:schemeClr>
+                          </a:solidFill>
+                        </a:rPr>
+                        <a:t>Addition</a:t>
+                      </a:r>
+                    </a:p>
+                  </a:txBody>
+                  <a:tcPr/>
+                </a:tc>
+                <a:extLst>
+                  <a:ext uri="{0D108BD9-81ED-4DB2-BD59-A6C34878D82A}">
+                    <a16:rowId xmlns:a16="http://schemas.microsoft.com/office/drawing/2014/main" val="563418857"/>
+                  </a:ext>
+                </a:extLst>
+              </a:tr>
+              <a:tr h="370840">
+                <a:tc>
+                  <a:txBody>
+                    <a:bodyPr/>
+                    <a:lstStyle/>
+                    <a:p>
+                      <a:r>
+                        <a:rPr lang="de-DE" dirty="0">
+                          <a:solidFill>
+                            <a:schemeClr val="tx1">
+                              <a:lumMod val="65000"/>
+                              <a:lumOff val="35000"/>
+                            </a:schemeClr>
+                          </a:solidFill>
+                        </a:rPr>
+                        <a:t>sub</a:t>
+                      </a:r>
+                    </a:p>
+                  </a:txBody>
+                  <a:tcPr/>
+                </a:tc>
+                <a:tc>
+                  <a:txBody>
+                    <a:bodyPr/>
+                    <a:lstStyle/>
+                    <a:p>
+                      <a:pPr marL="285750" indent="-285750">
+                        <a:buFontTx/>
+                        <a:buChar char="-"/>
+                      </a:pPr>
+                      <a:r>
+                        <a:rPr lang="de-DE" dirty="0">
+                          <a:solidFill>
+                            <a:schemeClr val="tx1">
+                              <a:lumMod val="65000"/>
+                              <a:lumOff val="35000"/>
+                            </a:schemeClr>
+                          </a:solidFill>
+                        </a:rPr>
+                        <a:t>Subtraktion</a:t>
+                      </a:r>
+                    </a:p>
+                  </a:txBody>
+                  <a:tcPr/>
+                </a:tc>
+                <a:extLst>
+                  <a:ext uri="{0D108BD9-81ED-4DB2-BD59-A6C34878D82A}">
+                    <a16:rowId xmlns:a16="http://schemas.microsoft.com/office/drawing/2014/main" val="548426433"/>
+                  </a:ext>
+                </a:extLst>
+              </a:tr>
+              <a:tr h="370840">
+                <a:tc>
+                  <a:txBody>
+                    <a:bodyPr/>
+                    <a:lstStyle/>
+                    <a:p>
+                      <a:r>
+                        <a:rPr lang="de-DE" dirty="0">
+                          <a:solidFill>
+                            <a:schemeClr val="tx1">
+                              <a:lumMod val="65000"/>
+                              <a:lumOff val="35000"/>
+                            </a:schemeClr>
+                          </a:solidFill>
+                        </a:rPr>
+                        <a:t>mul</a:t>
+                      </a:r>
+                    </a:p>
+                  </a:txBody>
+                  <a:tcPr/>
+                </a:tc>
+                <a:tc>
+                  <a:txBody>
+                    <a:bodyPr/>
+                    <a:lstStyle/>
+                    <a:p>
+                      <a:pPr marL="285750" indent="-285750">
+                        <a:buFontTx/>
+                        <a:buChar char="-"/>
+                      </a:pPr>
+                      <a:r>
+                        <a:rPr lang="de-DE" dirty="0">
+                          <a:solidFill>
+                            <a:schemeClr val="tx1">
+                              <a:lumMod val="65000"/>
+                              <a:lumOff val="35000"/>
+                            </a:schemeClr>
+                          </a:solidFill>
+                        </a:rPr>
+                        <a:t>Multiplikation</a:t>
+                      </a:r>
+                    </a:p>
+                  </a:txBody>
+                  <a:tcPr/>
+                </a:tc>
+                <a:extLst>
+                  <a:ext uri="{0D108BD9-81ED-4DB2-BD59-A6C34878D82A}">
+                    <a16:rowId xmlns:a16="http://schemas.microsoft.com/office/drawing/2014/main" val="2543626398"/>
+                  </a:ext>
+                </a:extLst>
+              </a:tr>
+              <a:tr h="370840">
+                <a:tc>
+                  <a:txBody>
+                    <a:bodyPr/>
+                    <a:lstStyle/>
+                    <a:p>
+                      <a:r>
+                        <a:rPr lang="de-DE" dirty="0">
+                          <a:solidFill>
+                            <a:schemeClr val="tx1">
+                              <a:lumMod val="65000"/>
+                              <a:lumOff val="35000"/>
+                            </a:schemeClr>
+                          </a:solidFill>
+                        </a:rPr>
+                        <a:t>div</a:t>
+                      </a:r>
+                    </a:p>
+                  </a:txBody>
+                  <a:tcPr/>
+                </a:tc>
+                <a:tc>
+                  <a:txBody>
+                    <a:bodyPr/>
+                    <a:lstStyle/>
+                    <a:p>
+                      <a:pPr marL="285750" indent="-285750">
+                        <a:buFontTx/>
+                        <a:buChar char="-"/>
+                      </a:pPr>
+                      <a:r>
+                        <a:rPr lang="de-DE" dirty="0">
+                          <a:solidFill>
+                            <a:schemeClr val="tx1">
+                              <a:lumMod val="65000"/>
+                              <a:lumOff val="35000"/>
+                            </a:schemeClr>
+                          </a:solidFill>
+                        </a:rPr>
+                        <a:t>Division</a:t>
+                      </a:r>
+                    </a:p>
+                  </a:txBody>
+                  <a:tcPr/>
+                </a:tc>
+                <a:extLst>
+                  <a:ext uri="{0D108BD9-81ED-4DB2-BD59-A6C34878D82A}">
+                    <a16:rowId xmlns:a16="http://schemas.microsoft.com/office/drawing/2014/main" val="3936765572"/>
+                  </a:ext>
+                </a:extLst>
+              </a:tr>
+              <a:tr h="370840">
+                <a:tc>
+                  <a:txBody>
+                    <a:bodyPr/>
+                    <a:lstStyle/>
+                    <a:p>
+                      <a:r>
+                        <a:rPr lang="de-DE" dirty="0" err="1">
+                          <a:solidFill>
+                            <a:schemeClr val="tx1">
+                              <a:lumMod val="65000"/>
+                              <a:lumOff val="35000"/>
+                            </a:schemeClr>
+                          </a:solidFill>
+                        </a:rPr>
+                        <a:t>int</a:t>
+                      </a:r>
+                      <a:endParaRPr lang="de-DE" dirty="0">
+                        <a:solidFill>
+                          <a:schemeClr val="tx1">
+                            <a:lumMod val="65000"/>
+                            <a:lumOff val="35000"/>
+                          </a:schemeClr>
+                        </a:solidFill>
+                      </a:endParaRPr>
+                    </a:p>
+                  </a:txBody>
+                  <a:tcPr/>
+                </a:tc>
+                <a:tc>
+                  <a:txBody>
+                    <a:bodyPr/>
+                    <a:lstStyle/>
+                    <a:p>
+                      <a:pPr marL="285750" indent="-285750">
+                        <a:buFontTx/>
+                        <a:buChar char="-"/>
+                      </a:pPr>
+                      <a:r>
+                        <a:rPr lang="de-DE" dirty="0">
+                          <a:solidFill>
+                            <a:schemeClr val="tx1">
+                              <a:lumMod val="65000"/>
+                              <a:lumOff val="35000"/>
+                            </a:schemeClr>
+                          </a:solidFill>
+                        </a:rPr>
+                        <a:t>Interrupt</a:t>
+                      </a:r>
+                    </a:p>
+                  </a:txBody>
+                  <a:tcPr/>
+                </a:tc>
+                <a:extLst>
+                  <a:ext uri="{0D108BD9-81ED-4DB2-BD59-A6C34878D82A}">
+                    <a16:rowId xmlns:a16="http://schemas.microsoft.com/office/drawing/2014/main" val="873218023"/>
+                  </a:ext>
+                </a:extLst>
+              </a:tr>
+            </a:tbl>
+          </a:graphicData>
+        </a:graphic>
+      </p:graphicFrame>
+      <p:pic>
+        <p:nvPicPr>
+          <p:cNvPr id="13" name="Picture 12">
+            <a:extLst>
+              <a:ext uri="{FF2B5EF4-FFF2-40B4-BE49-F238E27FC236}">
+                <a16:creationId xmlns:a16="http://schemas.microsoft.com/office/drawing/2014/main" id="{421A5798-2A2D-E34B-9DBE-4BC488D5E129}"/>
+              </a:ext>
+            </a:extLst>
+          </p:cNvPr>
+          <p:cNvPicPr>
+            <a:picLocks noChangeAspect="1"/>
+          </p:cNvPicPr>
+          <p:nvPr/>
+        </p:nvPicPr>
+        <p:blipFill>
+          <a:blip r:embed="rId3"/>
+          <a:stretch>
+            <a:fillRect/>
+          </a:stretch>
+        </p:blipFill>
+        <p:spPr>
+          <a:xfrm>
+            <a:off x="3869268" y="4273222"/>
+            <a:ext cx="7315200" cy="782607"/>
+          </a:xfrm>
+          <a:prstGeom prst="rect">
+            <a:avLst/>
+          </a:prstGeom>
+        </p:spPr>
+      </p:pic>
+      <p:sp>
+        <p:nvSpPr>
+          <p:cNvPr id="15" name="TextBox 14">
+            <a:extLst>
+              <a:ext uri="{FF2B5EF4-FFF2-40B4-BE49-F238E27FC236}">
+                <a16:creationId xmlns:a16="http://schemas.microsoft.com/office/drawing/2014/main" id="{D2C7D1EA-D7E2-1341-9235-97E6F829EF9F}"/>
+              </a:ext>
+            </a:extLst>
+          </p:cNvPr>
+          <p:cNvSpPr txBox="1"/>
+          <p:nvPr/>
+        </p:nvSpPr>
+        <p:spPr>
+          <a:xfrm>
+            <a:off x="3869268" y="3903890"/>
+            <a:ext cx="3217547" cy="369332"/>
+          </a:xfrm>
+          <a:prstGeom prst="rect">
+            <a:avLst/>
+          </a:prstGeom>
+          <a:noFill/>
+        </p:spPr>
+        <p:txBody>
+          <a:bodyPr wrap="none" rtlCol="0">
+            <a:spAutoFit/>
+          </a:bodyPr>
+          <a:lstStyle/>
+          <a:p>
+            <a:r>
+              <a:rPr lang="de-DE" dirty="0" err="1">
+                <a:solidFill>
+                  <a:schemeClr val="tx1">
+                    <a:lumMod val="65000"/>
+                    <a:lumOff val="35000"/>
+                  </a:schemeClr>
+                </a:solidFill>
+                <a:latin typeface="Andale Mono" panose="020B0509000000000004" pitchFamily="49" charset="0"/>
+              </a:rPr>
+              <a:t>operation</a:t>
+            </a:r>
+            <a:r>
+              <a:rPr lang="de-DE" dirty="0">
+                <a:solidFill>
+                  <a:schemeClr val="tx1">
+                    <a:lumMod val="65000"/>
+                    <a:lumOff val="35000"/>
+                  </a:schemeClr>
+                </a:solidFill>
+                <a:latin typeface="Andale Mono" panose="020B0509000000000004" pitchFamily="49" charset="0"/>
+              </a:rPr>
+              <a:t> [</a:t>
+            </a:r>
+            <a:r>
+              <a:rPr lang="de-DE" dirty="0" err="1">
+                <a:solidFill>
+                  <a:schemeClr val="tx1">
+                    <a:lumMod val="65000"/>
+                    <a:lumOff val="35000"/>
+                  </a:schemeClr>
+                </a:solidFill>
+                <a:latin typeface="Andale Mono" panose="020B0509000000000004" pitchFamily="49" charset="0"/>
+              </a:rPr>
+              <a:t>operand</a:t>
+            </a:r>
+            <a:r>
+              <a:rPr lang="de-DE" dirty="0">
+                <a:solidFill>
+                  <a:schemeClr val="tx1">
+                    <a:lumMod val="65000"/>
+                    <a:lumOff val="35000"/>
+                  </a:schemeClr>
+                </a:solidFill>
+                <a:latin typeface="Andale Mono" panose="020B0509000000000004" pitchFamily="49" charset="0"/>
+              </a:rPr>
+              <a:t>, …]</a:t>
+            </a:r>
+          </a:p>
+        </p:txBody>
+      </p:sp>
+      <p:pic>
+        <p:nvPicPr>
+          <p:cNvPr id="17" name="Picture 16">
+            <a:extLst>
+              <a:ext uri="{FF2B5EF4-FFF2-40B4-BE49-F238E27FC236}">
+                <a16:creationId xmlns:a16="http://schemas.microsoft.com/office/drawing/2014/main" id="{2E2CE83B-7037-5240-9C2C-B068D605CDF2}"/>
+              </a:ext>
+            </a:extLst>
+          </p:cNvPr>
+          <p:cNvPicPr>
+            <a:picLocks noChangeAspect="1"/>
+          </p:cNvPicPr>
+          <p:nvPr/>
+        </p:nvPicPr>
+        <p:blipFill>
+          <a:blip r:embed="rId4"/>
+          <a:stretch>
+            <a:fillRect/>
+          </a:stretch>
+        </p:blipFill>
+        <p:spPr>
+          <a:xfrm>
+            <a:off x="3841348" y="5055829"/>
+            <a:ext cx="7343120" cy="802646"/>
+          </a:xfrm>
+          <a:prstGeom prst="rect">
+            <a:avLst/>
+          </a:prstGeom>
+        </p:spPr>
+      </p:pic>
+      <p:sp>
+        <p:nvSpPr>
+          <p:cNvPr id="23" name="Bent-Up Arrow 22">
+            <a:extLst>
+              <a:ext uri="{FF2B5EF4-FFF2-40B4-BE49-F238E27FC236}">
+                <a16:creationId xmlns:a16="http://schemas.microsoft.com/office/drawing/2014/main" id="{CEC9B26C-5246-C840-AC22-71EC8E5356D8}"/>
+              </a:ext>
+            </a:extLst>
+          </p:cNvPr>
+          <p:cNvSpPr/>
+          <p:nvPr/>
+        </p:nvSpPr>
+        <p:spPr>
+          <a:xfrm flipH="1">
+            <a:off x="4694825" y="5725020"/>
+            <a:ext cx="687600" cy="318333"/>
+          </a:xfrm>
+          <a:prstGeom prst="bentUpArrow">
+            <a:avLst>
+              <a:gd name="adj1" fmla="val 4245"/>
+              <a:gd name="adj2" fmla="val 7662"/>
+              <a:gd name="adj3" fmla="val 13575"/>
+            </a:avLst>
+          </a:prstGeom>
           <a:solidFill>
-            <a:schemeClr val="accent4">
-              <a:lumMod val="20000"/>
-              <a:lumOff val="80000"/>
+            <a:schemeClr val="tx1">
+              <a:lumMod val="65000"/>
+              <a:lumOff val="35000"/>
             </a:schemeClr>
           </a:solidFill>
-          <a:ln>
+          <a:ln w="6350">
             <a:noFill/>
           </a:ln>
         </p:spPr>
@@ -4936,26 +6656,24 @@
           <a:bodyPr rtlCol="0" anchor="ctr"/>
           <a:lstStyle/>
           <a:p>
-            <a:r>
-              <a:rPr lang="de-DE" sz="1200" dirty="0">
-                <a:solidFill>
-                  <a:schemeClr val="tx1">
-                    <a:lumMod val="50000"/>
-                    <a:lumOff val="50000"/>
-                  </a:schemeClr>
-                </a:solidFill>
-              </a:rPr>
-              <a:t>Viele Prozessoren heute sind ein Mix aus CISC und RISC</a:t>
-            </a:r>
-          </a:p>
-        </p:txBody>
-      </p:sp>
-      <p:sp>
-        <p:nvSpPr>
-          <p:cNvPr id="9" name="Rectangle 8">
+            <a:pPr algn="ctr"/>
+            <a:endParaRPr lang="de-DE">
+              <a:solidFill>
+                <a:schemeClr val="tx1">
+                  <a:lumMod val="65000"/>
+                  <a:lumOff val="35000"/>
+                </a:schemeClr>
+              </a:solidFill>
+            </a:endParaRPr>
+          </a:p>
+        </p:txBody>
+      </p:sp>
+      <p:sp>
+        <p:nvSpPr>
+          <p:cNvPr id="24" name="Rectangle 23">
             <a:extLst>
               <a:ext uri="{FF2B5EF4-FFF2-40B4-BE49-F238E27FC236}">
-                <a16:creationId xmlns:a16="http://schemas.microsoft.com/office/drawing/2014/main" id="{92C4150B-1425-4B4B-9601-12F94AEABDB4}"/>
+                <a16:creationId xmlns:a16="http://schemas.microsoft.com/office/drawing/2014/main" id="{E7282A7D-F72F-B34E-9A73-BBE95FB2D2C8}"/>
               </a:ext>
             </a:extLst>
           </p:cNvPr>
@@ -4964,15 +6682,15 @@
         </p:nvSpPr>
         <p:spPr>
           <a:xfrm>
-            <a:off x="0" y="6577831"/>
-            <a:ext cx="12191999" cy="246221"/>
+            <a:off x="5310997" y="5927318"/>
+            <a:ext cx="2432076" cy="246221"/>
           </a:xfrm>
           <a:prstGeom prst="rect">
             <a:avLst/>
           </a:prstGeom>
         </p:spPr>
         <p:txBody>
-          <a:bodyPr wrap="square">
+          <a:bodyPr wrap="none">
             <a:spAutoFit/>
           </a:bodyPr>
           <a:lstStyle/>
@@ -4980,95 +6698,36 @@
             <a:r>
               <a:rPr lang="de-DE" sz="1000" dirty="0">
                 <a:solidFill>
-                  <a:schemeClr val="bg1">
-                    <a:lumMod val="75000"/>
+                  <a:schemeClr val="tx1">
+                    <a:lumMod val="65000"/>
+                    <a:lumOff val="35000"/>
                   </a:schemeClr>
                 </a:solidFill>
-                <a:hlinkClick r:id="rId2">
-                  <a:extLst>
-                    <a:ext uri="{A12FA001-AC4F-418D-AE19-62706E023703}">
-                      <ahyp:hlinkClr xmlns:ahyp="http://schemas.microsoft.com/office/drawing/2018/hyperlinkcolor" val="tx"/>
-                    </a:ext>
-                  </a:extLst>
-                </a:hlinkClick>
               </a:rPr>
-              <a:t>https://</a:t>
+              <a:t>wird implizit dem Register </a:t>
             </a:r>
             <a:r>
               <a:rPr lang="de-DE" sz="1000" dirty="0" err="1">
                 <a:solidFill>
-                  <a:schemeClr val="bg1">
-                    <a:lumMod val="75000"/>
+                  <a:schemeClr val="tx1">
+                    <a:lumMod val="65000"/>
+                    <a:lumOff val="35000"/>
                   </a:schemeClr>
                 </a:solidFill>
-                <a:hlinkClick r:id="rId2">
-                  <a:extLst>
-                    <a:ext uri="{A12FA001-AC4F-418D-AE19-62706E023703}">
-                      <ahyp:hlinkClr xmlns:ahyp="http://schemas.microsoft.com/office/drawing/2018/hyperlinkcolor" val="tx"/>
-                    </a:ext>
-                  </a:extLst>
-                </a:hlinkClick>
               </a:rPr>
-              <a:t>www.tutorialspoint.com</a:t>
+              <a:t>eax</a:t>
             </a:r>
             <a:r>
               <a:rPr lang="de-DE" sz="1000" dirty="0">
                 <a:solidFill>
-                  <a:schemeClr val="bg1">
-                    <a:lumMod val="75000"/>
+                  <a:schemeClr val="tx1">
+                    <a:lumMod val="65000"/>
+                    <a:lumOff val="35000"/>
                   </a:schemeClr>
                 </a:solidFill>
-                <a:hlinkClick r:id="rId2">
-                  <a:extLst>
-                    <a:ext uri="{A12FA001-AC4F-418D-AE19-62706E023703}">
-                      <ahyp:hlinkClr xmlns:ahyp="http://schemas.microsoft.com/office/drawing/2018/hyperlinkcolor" val="tx"/>
-                    </a:ext>
-                  </a:extLst>
-                </a:hlinkClick>
               </a:rPr>
-              <a:t>/</a:t>
-            </a:r>
-            <a:r>
-              <a:rPr lang="de-DE" sz="1000" dirty="0" err="1">
-                <a:solidFill>
-                  <a:schemeClr val="bg1">
-                    <a:lumMod val="75000"/>
-                  </a:schemeClr>
-                </a:solidFill>
-                <a:hlinkClick r:id="rId2">
-                  <a:extLst>
-                    <a:ext uri="{A12FA001-AC4F-418D-AE19-62706E023703}">
-                      <ahyp:hlinkClr xmlns:ahyp="http://schemas.microsoft.com/office/drawing/2018/hyperlinkcolor" val="tx"/>
-                    </a:ext>
-                  </a:extLst>
-                </a:hlinkClick>
-              </a:rPr>
-              <a:t>assembly_programming</a:t>
-            </a:r>
-            <a:r>
-              <a:rPr lang="de-DE" sz="1000" dirty="0">
-                <a:solidFill>
-                  <a:schemeClr val="bg1">
-                    <a:lumMod val="75000"/>
-                  </a:schemeClr>
-                </a:solidFill>
-                <a:hlinkClick r:id="rId2">
-                  <a:extLst>
-                    <a:ext uri="{A12FA001-AC4F-418D-AE19-62706E023703}">
-                      <ahyp:hlinkClr xmlns:ahyp="http://schemas.microsoft.com/office/drawing/2018/hyperlinkcolor" val="tx"/>
-                    </a:ext>
-                  </a:extLst>
-                </a:hlinkClick>
-              </a:rPr>
-              <a:t>/</a:t>
-            </a:r>
-            <a:endParaRPr lang="de-DE" sz="1000" dirty="0">
-              <a:solidFill>
-                <a:schemeClr val="bg1">
-                  <a:lumMod val="75000"/>
-                </a:schemeClr>
-              </a:solidFill>
-            </a:endParaRPr>
+              <a:t> zugewiesen</a:t>
+            </a:r>
           </a:p>
         </p:txBody>
       </p:sp>
@@ -5132,7 +6791,7 @@
             </a:br>
             <a:r>
               <a:rPr lang="de-DE" sz="1800" dirty="0"/>
-              <a:t>Zusammenspiel mit HW</a:t>
+              <a:t>System Calls</a:t>
             </a:r>
             <a:br>
               <a:rPr lang="de-DE" dirty="0"/>
@@ -5143,10 +6802,588 @@
       </p:sp>
       <p:sp>
         <p:nvSpPr>
-          <p:cNvPr id="3" name="Content Placeholder 2">
+          <p:cNvPr id="9" name="Rectangle 8">
             <a:extLst>
               <a:ext uri="{FF2B5EF4-FFF2-40B4-BE49-F238E27FC236}">
-                <a16:creationId xmlns:a16="http://schemas.microsoft.com/office/drawing/2014/main" id="{D2052285-1E8D-C241-9802-A601D8E3936B}"/>
+                <a16:creationId xmlns:a16="http://schemas.microsoft.com/office/drawing/2014/main" id="{92C4150B-1425-4B4B-9601-12F94AEABDB4}"/>
+              </a:ext>
+            </a:extLst>
+          </p:cNvPr>
+          <p:cNvSpPr/>
+          <p:nvPr/>
+        </p:nvSpPr>
+        <p:spPr>
+          <a:xfrm>
+            <a:off x="0" y="6577831"/>
+            <a:ext cx="12191999" cy="246221"/>
+          </a:xfrm>
+          <a:prstGeom prst="rect">
+            <a:avLst/>
+          </a:prstGeom>
+        </p:spPr>
+        <p:txBody>
+          <a:bodyPr wrap="square">
+            <a:spAutoFit/>
+          </a:bodyPr>
+          <a:lstStyle/>
+          <a:p>
+            <a:r>
+              <a:rPr lang="de-DE" sz="1000" dirty="0">
+                <a:solidFill>
+                  <a:schemeClr val="bg1">
+                    <a:lumMod val="75000"/>
+                  </a:schemeClr>
+                </a:solidFill>
+                <a:hlinkClick r:id="rId2">
+                  <a:extLst>
+                    <a:ext uri="{A12FA001-AC4F-418D-AE19-62706E023703}">
+                      <ahyp:hlinkClr xmlns:ahyp="http://schemas.microsoft.com/office/drawing/2018/hyperlinkcolor" val="tx"/>
+                    </a:ext>
+                  </a:extLst>
+                </a:hlinkClick>
+              </a:rPr>
+              <a:t>https://</a:t>
+            </a:r>
+            <a:r>
+              <a:rPr lang="de-DE" sz="1000" dirty="0" err="1">
+                <a:solidFill>
+                  <a:schemeClr val="bg1">
+                    <a:lumMod val="75000"/>
+                  </a:schemeClr>
+                </a:solidFill>
+                <a:hlinkClick r:id="rId2">
+                  <a:extLst>
+                    <a:ext uri="{A12FA001-AC4F-418D-AE19-62706E023703}">
+                      <ahyp:hlinkClr xmlns:ahyp="http://schemas.microsoft.com/office/drawing/2018/hyperlinkcolor" val="tx"/>
+                    </a:ext>
+                  </a:extLst>
+                </a:hlinkClick>
+              </a:rPr>
+              <a:t>www.tutorialspoint.com</a:t>
+            </a:r>
+            <a:r>
+              <a:rPr lang="de-DE" sz="1000" dirty="0">
+                <a:solidFill>
+                  <a:schemeClr val="bg1">
+                    <a:lumMod val="75000"/>
+                  </a:schemeClr>
+                </a:solidFill>
+                <a:hlinkClick r:id="rId2">
+                  <a:extLst>
+                    <a:ext uri="{A12FA001-AC4F-418D-AE19-62706E023703}">
+                      <ahyp:hlinkClr xmlns:ahyp="http://schemas.microsoft.com/office/drawing/2018/hyperlinkcolor" val="tx"/>
+                    </a:ext>
+                  </a:extLst>
+                </a:hlinkClick>
+              </a:rPr>
+              <a:t>/</a:t>
+            </a:r>
+            <a:r>
+              <a:rPr lang="de-DE" sz="1000" dirty="0" err="1">
+                <a:solidFill>
+                  <a:schemeClr val="bg1">
+                    <a:lumMod val="75000"/>
+                  </a:schemeClr>
+                </a:solidFill>
+                <a:hlinkClick r:id="rId2">
+                  <a:extLst>
+                    <a:ext uri="{A12FA001-AC4F-418D-AE19-62706E023703}">
+                      <ahyp:hlinkClr xmlns:ahyp="http://schemas.microsoft.com/office/drawing/2018/hyperlinkcolor" val="tx"/>
+                    </a:ext>
+                  </a:extLst>
+                </a:hlinkClick>
+              </a:rPr>
+              <a:t>assembly_programming</a:t>
+            </a:r>
+            <a:r>
+              <a:rPr lang="de-DE" sz="1000" dirty="0">
+                <a:solidFill>
+                  <a:schemeClr val="bg1">
+                    <a:lumMod val="75000"/>
+                  </a:schemeClr>
+                </a:solidFill>
+                <a:hlinkClick r:id="rId2">
+                  <a:extLst>
+                    <a:ext uri="{A12FA001-AC4F-418D-AE19-62706E023703}">
+                      <ahyp:hlinkClr xmlns:ahyp="http://schemas.microsoft.com/office/drawing/2018/hyperlinkcolor" val="tx"/>
+                    </a:ext>
+                  </a:extLst>
+                </a:hlinkClick>
+              </a:rPr>
+              <a:t>/</a:t>
+            </a:r>
+            <a:endParaRPr lang="de-DE" sz="1000" dirty="0">
+              <a:solidFill>
+                <a:schemeClr val="bg1">
+                  <a:lumMod val="75000"/>
+                </a:schemeClr>
+              </a:solidFill>
+            </a:endParaRPr>
+          </a:p>
+        </p:txBody>
+      </p:sp>
+      <p:graphicFrame>
+        <p:nvGraphicFramePr>
+          <p:cNvPr id="10" name="Table 9">
+            <a:extLst>
+              <a:ext uri="{FF2B5EF4-FFF2-40B4-BE49-F238E27FC236}">
+                <a16:creationId xmlns:a16="http://schemas.microsoft.com/office/drawing/2014/main" id="{D0EFF0E6-4BB0-AB4E-B265-5CE37D8A6E14}"/>
+              </a:ext>
+            </a:extLst>
+          </p:cNvPr>
+          <p:cNvGraphicFramePr>
+            <a:graphicFrameLocks noGrp="1"/>
+          </p:cNvGraphicFramePr>
+          <p:nvPr>
+            <p:extLst>
+              <p:ext uri="{D42A27DB-BD31-4B8C-83A1-F6EECF244321}">
+                <p14:modId xmlns:p14="http://schemas.microsoft.com/office/powerpoint/2010/main" val="224013616"/>
+              </p:ext>
+            </p:extLst>
+          </p:nvPr>
+        </p:nvGraphicFramePr>
+        <p:xfrm>
+          <a:off x="3869268" y="755974"/>
+          <a:ext cx="7315200" cy="2595880"/>
+        </p:xfrm>
+        <a:graphic>
+          <a:graphicData uri="http://schemas.openxmlformats.org/drawingml/2006/table">
+            <a:tbl>
+              <a:tblPr firstRow="1" bandRow="1">
+                <a:tableStyleId>{5C22544A-7EE6-4342-B048-85BDC9FD1C3A}</a:tableStyleId>
+              </a:tblPr>
+              <a:tblGrid>
+                <a:gridCol w="3657600">
+                  <a:extLst>
+                    <a:ext uri="{9D8B030D-6E8A-4147-A177-3AD203B41FA5}">
+                      <a16:colId xmlns:a16="http://schemas.microsoft.com/office/drawing/2014/main" val="2317206412"/>
+                    </a:ext>
+                  </a:extLst>
+                </a:gridCol>
+                <a:gridCol w="3657600">
+                  <a:extLst>
+                    <a:ext uri="{9D8B030D-6E8A-4147-A177-3AD203B41FA5}">
+                      <a16:colId xmlns:a16="http://schemas.microsoft.com/office/drawing/2014/main" val="3589141513"/>
+                    </a:ext>
+                  </a:extLst>
+                </a:gridCol>
+              </a:tblGrid>
+              <a:tr h="370840">
+                <a:tc>
+                  <a:txBody>
+                    <a:bodyPr/>
+                    <a:lstStyle/>
+                    <a:p>
+                      <a:r>
+                        <a:rPr lang="de-DE" dirty="0" err="1"/>
+                        <a:t>eax</a:t>
+                      </a:r>
+                      <a:endParaRPr lang="de-DE" dirty="0"/>
+                    </a:p>
+                  </a:txBody>
+                  <a:tcPr/>
+                </a:tc>
+                <a:tc>
+                  <a:txBody>
+                    <a:bodyPr/>
+                    <a:lstStyle/>
+                    <a:p>
+                      <a:r>
+                        <a:rPr lang="de-DE" dirty="0"/>
+                        <a:t>System Call</a:t>
+                      </a:r>
+                    </a:p>
+                  </a:txBody>
+                  <a:tcPr/>
+                </a:tc>
+                <a:extLst>
+                  <a:ext uri="{0D108BD9-81ED-4DB2-BD59-A6C34878D82A}">
+                    <a16:rowId xmlns:a16="http://schemas.microsoft.com/office/drawing/2014/main" val="1781904454"/>
+                  </a:ext>
+                </a:extLst>
+              </a:tr>
+              <a:tr h="370840">
+                <a:tc>
+                  <a:txBody>
+                    <a:bodyPr/>
+                    <a:lstStyle/>
+                    <a:p>
+                      <a:r>
+                        <a:rPr lang="de-DE" dirty="0">
+                          <a:solidFill>
+                            <a:schemeClr val="tx1">
+                              <a:lumMod val="65000"/>
+                              <a:lumOff val="35000"/>
+                            </a:schemeClr>
+                          </a:solidFill>
+                          <a:latin typeface="Andale Mono" panose="020B0509000000000004" pitchFamily="49" charset="0"/>
+                        </a:rPr>
+                        <a:t>1</a:t>
+                      </a:r>
+                    </a:p>
+                  </a:txBody>
+                  <a:tcPr/>
+                </a:tc>
+                <a:tc>
+                  <a:txBody>
+                    <a:bodyPr/>
+                    <a:lstStyle/>
+                    <a:p>
+                      <a:pPr marL="0" indent="0">
+                        <a:buFontTx/>
+                        <a:buNone/>
+                      </a:pPr>
+                      <a:r>
+                        <a:rPr lang="de-DE" dirty="0" err="1">
+                          <a:solidFill>
+                            <a:schemeClr val="tx1">
+                              <a:lumMod val="65000"/>
+                              <a:lumOff val="35000"/>
+                            </a:schemeClr>
+                          </a:solidFill>
+                          <a:latin typeface="Andale Mono" panose="020B0509000000000004" pitchFamily="49" charset="0"/>
+                        </a:rPr>
+                        <a:t>sys_exit</a:t>
+                      </a:r>
+                      <a:endParaRPr lang="de-DE" dirty="0">
+                        <a:solidFill>
+                          <a:schemeClr val="tx1">
+                            <a:lumMod val="65000"/>
+                            <a:lumOff val="35000"/>
+                          </a:schemeClr>
+                        </a:solidFill>
+                        <a:latin typeface="Andale Mono" panose="020B0509000000000004" pitchFamily="49" charset="0"/>
+                      </a:endParaRPr>
+                    </a:p>
+                  </a:txBody>
+                  <a:tcPr/>
+                </a:tc>
+                <a:extLst>
+                  <a:ext uri="{0D108BD9-81ED-4DB2-BD59-A6C34878D82A}">
+                    <a16:rowId xmlns:a16="http://schemas.microsoft.com/office/drawing/2014/main" val="2647621659"/>
+                  </a:ext>
+                </a:extLst>
+              </a:tr>
+              <a:tr h="370840">
+                <a:tc>
+                  <a:txBody>
+                    <a:bodyPr/>
+                    <a:lstStyle/>
+                    <a:p>
+                      <a:r>
+                        <a:rPr lang="de-DE" dirty="0">
+                          <a:solidFill>
+                            <a:schemeClr val="tx1">
+                              <a:lumMod val="65000"/>
+                              <a:lumOff val="35000"/>
+                            </a:schemeClr>
+                          </a:solidFill>
+                          <a:latin typeface="Andale Mono" panose="020B0509000000000004" pitchFamily="49" charset="0"/>
+                        </a:rPr>
+                        <a:t>2</a:t>
+                      </a:r>
+                    </a:p>
+                  </a:txBody>
+                  <a:tcPr/>
+                </a:tc>
+                <a:tc>
+                  <a:txBody>
+                    <a:bodyPr/>
+                    <a:lstStyle/>
+                    <a:p>
+                      <a:pPr marL="0" indent="0">
+                        <a:buFontTx/>
+                        <a:buNone/>
+                      </a:pPr>
+                      <a:r>
+                        <a:rPr lang="de-DE" dirty="0" err="1">
+                          <a:solidFill>
+                            <a:schemeClr val="tx1">
+                              <a:lumMod val="65000"/>
+                              <a:lumOff val="35000"/>
+                            </a:schemeClr>
+                          </a:solidFill>
+                          <a:latin typeface="Andale Mono" panose="020B0509000000000004" pitchFamily="49" charset="0"/>
+                        </a:rPr>
+                        <a:t>sys_fork</a:t>
+                      </a:r>
+                      <a:endParaRPr lang="de-DE" dirty="0">
+                        <a:solidFill>
+                          <a:schemeClr val="tx1">
+                            <a:lumMod val="65000"/>
+                            <a:lumOff val="35000"/>
+                          </a:schemeClr>
+                        </a:solidFill>
+                        <a:latin typeface="Andale Mono" panose="020B0509000000000004" pitchFamily="49" charset="0"/>
+                      </a:endParaRPr>
+                    </a:p>
+                  </a:txBody>
+                  <a:tcPr/>
+                </a:tc>
+                <a:extLst>
+                  <a:ext uri="{0D108BD9-81ED-4DB2-BD59-A6C34878D82A}">
+                    <a16:rowId xmlns:a16="http://schemas.microsoft.com/office/drawing/2014/main" val="563418857"/>
+                  </a:ext>
+                </a:extLst>
+              </a:tr>
+              <a:tr h="370840">
+                <a:tc>
+                  <a:txBody>
+                    <a:bodyPr/>
+                    <a:lstStyle/>
+                    <a:p>
+                      <a:r>
+                        <a:rPr lang="de-DE" dirty="0">
+                          <a:solidFill>
+                            <a:schemeClr val="tx1">
+                              <a:lumMod val="65000"/>
+                              <a:lumOff val="35000"/>
+                            </a:schemeClr>
+                          </a:solidFill>
+                          <a:latin typeface="Andale Mono" panose="020B0509000000000004" pitchFamily="49" charset="0"/>
+                        </a:rPr>
+                        <a:t>3</a:t>
+                      </a:r>
+                    </a:p>
+                  </a:txBody>
+                  <a:tcPr/>
+                </a:tc>
+                <a:tc>
+                  <a:txBody>
+                    <a:bodyPr/>
+                    <a:lstStyle/>
+                    <a:p>
+                      <a:pPr marL="0" indent="0">
+                        <a:buFontTx/>
+                        <a:buNone/>
+                      </a:pPr>
+                      <a:r>
+                        <a:rPr lang="de-DE" dirty="0" err="1">
+                          <a:solidFill>
+                            <a:schemeClr val="tx1">
+                              <a:lumMod val="65000"/>
+                              <a:lumOff val="35000"/>
+                            </a:schemeClr>
+                          </a:solidFill>
+                          <a:latin typeface="Andale Mono" panose="020B0509000000000004" pitchFamily="49" charset="0"/>
+                        </a:rPr>
+                        <a:t>sys_read</a:t>
+                      </a:r>
+                      <a:endParaRPr lang="de-DE" dirty="0">
+                        <a:solidFill>
+                          <a:schemeClr val="tx1">
+                            <a:lumMod val="65000"/>
+                            <a:lumOff val="35000"/>
+                          </a:schemeClr>
+                        </a:solidFill>
+                        <a:latin typeface="Andale Mono" panose="020B0509000000000004" pitchFamily="49" charset="0"/>
+                      </a:endParaRPr>
+                    </a:p>
+                  </a:txBody>
+                  <a:tcPr/>
+                </a:tc>
+                <a:extLst>
+                  <a:ext uri="{0D108BD9-81ED-4DB2-BD59-A6C34878D82A}">
+                    <a16:rowId xmlns:a16="http://schemas.microsoft.com/office/drawing/2014/main" val="548426433"/>
+                  </a:ext>
+                </a:extLst>
+              </a:tr>
+              <a:tr h="370840">
+                <a:tc>
+                  <a:txBody>
+                    <a:bodyPr/>
+                    <a:lstStyle/>
+                    <a:p>
+                      <a:r>
+                        <a:rPr lang="de-DE" dirty="0">
+                          <a:solidFill>
+                            <a:schemeClr val="tx1">
+                              <a:lumMod val="65000"/>
+                              <a:lumOff val="35000"/>
+                            </a:schemeClr>
+                          </a:solidFill>
+                          <a:latin typeface="Andale Mono" panose="020B0509000000000004" pitchFamily="49" charset="0"/>
+                        </a:rPr>
+                        <a:t>4</a:t>
+                      </a:r>
+                    </a:p>
+                  </a:txBody>
+                  <a:tcPr/>
+                </a:tc>
+                <a:tc>
+                  <a:txBody>
+                    <a:bodyPr/>
+                    <a:lstStyle/>
+                    <a:p>
+                      <a:pPr marL="0" indent="0">
+                        <a:buFontTx/>
+                        <a:buNone/>
+                      </a:pPr>
+                      <a:r>
+                        <a:rPr lang="de-DE" dirty="0" err="1">
+                          <a:solidFill>
+                            <a:schemeClr val="tx1">
+                              <a:lumMod val="65000"/>
+                              <a:lumOff val="35000"/>
+                            </a:schemeClr>
+                          </a:solidFill>
+                          <a:latin typeface="Andale Mono" panose="020B0509000000000004" pitchFamily="49" charset="0"/>
+                        </a:rPr>
+                        <a:t>sys_write</a:t>
+                      </a:r>
+                      <a:endParaRPr lang="de-DE" dirty="0">
+                        <a:solidFill>
+                          <a:schemeClr val="tx1">
+                            <a:lumMod val="65000"/>
+                            <a:lumOff val="35000"/>
+                          </a:schemeClr>
+                        </a:solidFill>
+                        <a:latin typeface="Andale Mono" panose="020B0509000000000004" pitchFamily="49" charset="0"/>
+                      </a:endParaRPr>
+                    </a:p>
+                  </a:txBody>
+                  <a:tcPr/>
+                </a:tc>
+                <a:extLst>
+                  <a:ext uri="{0D108BD9-81ED-4DB2-BD59-A6C34878D82A}">
+                    <a16:rowId xmlns:a16="http://schemas.microsoft.com/office/drawing/2014/main" val="2543626398"/>
+                  </a:ext>
+                </a:extLst>
+              </a:tr>
+              <a:tr h="370840">
+                <a:tc>
+                  <a:txBody>
+                    <a:bodyPr/>
+                    <a:lstStyle/>
+                    <a:p>
+                      <a:r>
+                        <a:rPr lang="de-DE" dirty="0">
+                          <a:solidFill>
+                            <a:schemeClr val="tx1">
+                              <a:lumMod val="65000"/>
+                              <a:lumOff val="35000"/>
+                            </a:schemeClr>
+                          </a:solidFill>
+                          <a:latin typeface="Andale Mono" panose="020B0509000000000004" pitchFamily="49" charset="0"/>
+                        </a:rPr>
+                        <a:t>5</a:t>
+                      </a:r>
+                    </a:p>
+                  </a:txBody>
+                  <a:tcPr/>
+                </a:tc>
+                <a:tc>
+                  <a:txBody>
+                    <a:bodyPr/>
+                    <a:lstStyle/>
+                    <a:p>
+                      <a:pPr marL="0" indent="0">
+                        <a:buFontTx/>
+                        <a:buNone/>
+                      </a:pPr>
+                      <a:r>
+                        <a:rPr lang="de-DE" dirty="0" err="1">
+                          <a:solidFill>
+                            <a:schemeClr val="tx1">
+                              <a:lumMod val="65000"/>
+                              <a:lumOff val="35000"/>
+                            </a:schemeClr>
+                          </a:solidFill>
+                          <a:latin typeface="Andale Mono" panose="020B0509000000000004" pitchFamily="49" charset="0"/>
+                        </a:rPr>
+                        <a:t>sys_open</a:t>
+                      </a:r>
+                      <a:endParaRPr lang="de-DE" dirty="0">
+                        <a:solidFill>
+                          <a:schemeClr val="tx1">
+                            <a:lumMod val="65000"/>
+                            <a:lumOff val="35000"/>
+                          </a:schemeClr>
+                        </a:solidFill>
+                        <a:latin typeface="Andale Mono" panose="020B0509000000000004" pitchFamily="49" charset="0"/>
+                      </a:endParaRPr>
+                    </a:p>
+                  </a:txBody>
+                  <a:tcPr/>
+                </a:tc>
+                <a:extLst>
+                  <a:ext uri="{0D108BD9-81ED-4DB2-BD59-A6C34878D82A}">
+                    <a16:rowId xmlns:a16="http://schemas.microsoft.com/office/drawing/2014/main" val="3936765572"/>
+                  </a:ext>
+                </a:extLst>
+              </a:tr>
+              <a:tr h="370840">
+                <a:tc>
+                  <a:txBody>
+                    <a:bodyPr/>
+                    <a:lstStyle/>
+                    <a:p>
+                      <a:r>
+                        <a:rPr lang="de-DE" dirty="0">
+                          <a:solidFill>
+                            <a:schemeClr val="tx1">
+                              <a:lumMod val="65000"/>
+                              <a:lumOff val="35000"/>
+                            </a:schemeClr>
+                          </a:solidFill>
+                          <a:latin typeface="Andale Mono" panose="020B0509000000000004" pitchFamily="49" charset="0"/>
+                        </a:rPr>
+                        <a:t>6</a:t>
+                      </a:r>
+                    </a:p>
+                  </a:txBody>
+                  <a:tcPr/>
+                </a:tc>
+                <a:tc>
+                  <a:txBody>
+                    <a:bodyPr/>
+                    <a:lstStyle/>
+                    <a:p>
+                      <a:pPr marL="0" indent="0">
+                        <a:buFontTx/>
+                        <a:buNone/>
+                      </a:pPr>
+                      <a:r>
+                        <a:rPr lang="de-DE" dirty="0" err="1">
+                          <a:solidFill>
+                            <a:schemeClr val="tx1">
+                              <a:lumMod val="65000"/>
+                              <a:lumOff val="35000"/>
+                            </a:schemeClr>
+                          </a:solidFill>
+                          <a:latin typeface="Andale Mono" panose="020B0509000000000004" pitchFamily="49" charset="0"/>
+                        </a:rPr>
+                        <a:t>sys_close</a:t>
+                      </a:r>
+                      <a:endParaRPr lang="de-DE" dirty="0">
+                        <a:solidFill>
+                          <a:schemeClr val="tx1">
+                            <a:lumMod val="65000"/>
+                            <a:lumOff val="35000"/>
+                          </a:schemeClr>
+                        </a:solidFill>
+                        <a:latin typeface="Andale Mono" panose="020B0509000000000004" pitchFamily="49" charset="0"/>
+                      </a:endParaRPr>
+                    </a:p>
+                  </a:txBody>
+                  <a:tcPr/>
+                </a:tc>
+                <a:extLst>
+                  <a:ext uri="{0D108BD9-81ED-4DB2-BD59-A6C34878D82A}">
+                    <a16:rowId xmlns:a16="http://schemas.microsoft.com/office/drawing/2014/main" val="873218023"/>
+                  </a:ext>
+                </a:extLst>
+              </a:tr>
+            </a:tbl>
+          </a:graphicData>
+        </a:graphic>
+      </p:graphicFrame>
+      <p:sp>
+        <p:nvSpPr>
+          <p:cNvPr id="11" name="Content Placeholder 2">
+            <a:extLst>
+              <a:ext uri="{FF2B5EF4-FFF2-40B4-BE49-F238E27FC236}">
+                <a16:creationId xmlns:a16="http://schemas.microsoft.com/office/drawing/2014/main" id="{142BFAB9-89BD-4747-A0C3-2EA1474F51FA}"/>
               </a:ext>
             </a:extLst>
           </p:cNvPr>
@@ -5159,24 +7396,207 @@
         </p:nvSpPr>
         <p:spPr>
           <a:xfrm>
-            <a:off x="3869268" y="864108"/>
-            <a:ext cx="7315200" cy="5120640"/>
+            <a:off x="3869268" y="3506147"/>
+            <a:ext cx="7315200" cy="2554399"/>
           </a:xfrm>
         </p:spPr>
         <p:txBody>
+          <a:bodyPr>
+            <a:normAutofit/>
+          </a:bodyPr>
+          <a:lstStyle/>
+          <a:p>
+            <a:pPr marL="0" indent="0">
+              <a:lnSpc>
+                <a:spcPct val="150000"/>
+              </a:lnSpc>
+              <a:buNone/>
+            </a:pPr>
+            <a:r>
+              <a:rPr lang="de" dirty="0"/>
+              <a:t>Vorgehen:</a:t>
+            </a:r>
+          </a:p>
+          <a:p>
+            <a:pPr marL="457200" indent="-457200">
+              <a:lnSpc>
+                <a:spcPct val="120000"/>
+              </a:lnSpc>
+              <a:buFont typeface="+mj-lt"/>
+              <a:buAutoNum type="arabicPeriod"/>
+            </a:pPr>
+            <a:r>
+              <a:rPr lang="de" sz="1600" dirty="0"/>
+              <a:t>  </a:t>
+            </a:r>
+            <a:r>
+              <a:rPr lang="de" sz="1600" b="1" dirty="0"/>
+              <a:t>System Call </a:t>
+            </a:r>
+            <a:r>
+              <a:rPr lang="de" sz="1600" dirty="0"/>
+              <a:t>in Register </a:t>
+            </a:r>
+            <a:r>
+              <a:rPr lang="de" sz="1600" dirty="0" err="1"/>
+              <a:t>eax</a:t>
+            </a:r>
+            <a:r>
+              <a:rPr lang="de" sz="1600" dirty="0"/>
+              <a:t> speichern</a:t>
+            </a:r>
+          </a:p>
+          <a:p>
+            <a:pPr marL="457200" indent="-457200">
+              <a:lnSpc>
+                <a:spcPct val="120000"/>
+              </a:lnSpc>
+              <a:buFont typeface="+mj-lt"/>
+              <a:buAutoNum type="arabicPeriod"/>
+            </a:pPr>
+            <a:r>
+              <a:rPr lang="de" sz="1600" dirty="0"/>
+              <a:t>  </a:t>
+            </a:r>
+            <a:r>
+              <a:rPr lang="de" sz="1600" b="1" dirty="0"/>
+              <a:t>Argumente</a:t>
+            </a:r>
+            <a:r>
+              <a:rPr lang="de" sz="1600" dirty="0"/>
+              <a:t> zum System Call in die Register </a:t>
+            </a:r>
+            <a:r>
+              <a:rPr lang="de" sz="1600" dirty="0" err="1"/>
+              <a:t>eax</a:t>
+            </a:r>
+            <a:r>
+              <a:rPr lang="de" sz="1600" dirty="0"/>
+              <a:t>, </a:t>
+            </a:r>
+            <a:r>
+              <a:rPr lang="de" sz="1600" dirty="0" err="1"/>
+              <a:t>ebx</a:t>
+            </a:r>
+            <a:r>
+              <a:rPr lang="de" sz="1600" dirty="0"/>
+              <a:t>, </a:t>
+            </a:r>
+            <a:r>
+              <a:rPr lang="de" sz="1600" dirty="0" err="1"/>
+              <a:t>ecx</a:t>
+            </a:r>
+            <a:r>
+              <a:rPr lang="de" sz="1600" dirty="0"/>
+              <a:t>, </a:t>
+            </a:r>
+            <a:r>
+              <a:rPr lang="de" sz="1600" dirty="0" err="1"/>
+              <a:t>edx</a:t>
+            </a:r>
+            <a:r>
+              <a:rPr lang="de" sz="1600" dirty="0"/>
+              <a:t> speichern</a:t>
+            </a:r>
+          </a:p>
+          <a:p>
+            <a:pPr marL="457200" indent="-457200">
+              <a:lnSpc>
+                <a:spcPct val="120000"/>
+              </a:lnSpc>
+              <a:buFont typeface="+mj-lt"/>
+              <a:buAutoNum type="arabicPeriod"/>
+            </a:pPr>
+            <a:r>
+              <a:rPr lang="de" sz="1600" dirty="0"/>
+              <a:t>  </a:t>
+            </a:r>
+            <a:r>
+              <a:rPr lang="de" sz="1600" b="1" dirty="0"/>
+              <a:t>Interrupt</a:t>
+            </a:r>
+            <a:r>
+              <a:rPr lang="de" sz="1600" dirty="0"/>
+              <a:t> aufrufen (0x80, 80, etc.)</a:t>
+            </a:r>
+          </a:p>
+        </p:txBody>
+      </p:sp>
+    </p:spTree>
+    <p:extLst>
+      <p:ext uri="{BB962C8B-B14F-4D97-AF65-F5344CB8AC3E}">
+        <p14:creationId xmlns:p14="http://schemas.microsoft.com/office/powerpoint/2010/main" val="1977799682"/>
+      </p:ext>
+    </p:extLst>
+  </p:cSld>
+  <p:clrMapOvr>
+    <a:masterClrMapping/>
+  </p:clrMapOvr>
+</p:sld>
+</file>
+
+<file path=ppt/slides/slide8.xml><?xml version="1.0" encoding="utf-8"?>
+<p:sld xmlns:a="http://schemas.openxmlformats.org/drawingml/2006/main" xmlns:r="http://schemas.openxmlformats.org/officeDocument/2006/relationships" xmlns:p="http://schemas.openxmlformats.org/presentationml/2006/main">
+  <p:cSld>
+    <p:spTree>
+      <p:nvGrpSpPr>
+        <p:cNvPr id="1" name=""/>
+        <p:cNvGrpSpPr/>
+        <p:nvPr/>
+      </p:nvGrpSpPr>
+      <p:grpSpPr>
+        <a:xfrm>
+          <a:off x="0" y="0"/>
+          <a:ext cx="0" cy="0"/>
+          <a:chOff x="0" y="0"/>
+          <a:chExt cx="0" cy="0"/>
+        </a:xfrm>
+      </p:grpSpPr>
+      <p:sp>
+        <p:nvSpPr>
+          <p:cNvPr id="2" name="Title 1">
+            <a:extLst>
+              <a:ext uri="{FF2B5EF4-FFF2-40B4-BE49-F238E27FC236}">
+                <a16:creationId xmlns:a16="http://schemas.microsoft.com/office/drawing/2014/main" id="{E4FF170F-DA51-9542-AF7E-5B03F8E0C1E7}"/>
+              </a:ext>
+            </a:extLst>
+          </p:cNvPr>
+          <p:cNvSpPr>
+            <a:spLocks noGrp="1"/>
+          </p:cNvSpPr>
+          <p:nvPr>
+            <p:ph type="title"/>
+          </p:nvPr>
+        </p:nvSpPr>
+        <p:spPr/>
+        <p:txBody>
           <a:bodyPr/>
           <a:lstStyle/>
           <a:p>
+            <a:r>
+              <a:rPr lang="de-DE" dirty="0"/>
+              <a:t>Assembly </a:t>
+            </a:r>
+            <a:br>
+              <a:rPr lang="de-DE" dirty="0"/>
+            </a:br>
+            <a:r>
+              <a:rPr lang="de-DE" sz="1800" dirty="0"/>
+              <a:t>System Calls</a:t>
+            </a:r>
+            <a:br>
+              <a:rPr lang="de-DE" dirty="0"/>
+            </a:br>
             <a:endParaRPr lang="de-DE" dirty="0"/>
           </a:p>
         </p:txBody>
       </p:sp>
       <p:sp>
         <p:nvSpPr>
-          <p:cNvPr id="7" name="Rectangle 6">
+          <p:cNvPr id="9" name="Rectangle 8">
             <a:extLst>
               <a:ext uri="{FF2B5EF4-FFF2-40B4-BE49-F238E27FC236}">
-                <a16:creationId xmlns:a16="http://schemas.microsoft.com/office/drawing/2014/main" id="{8B6FB2B2-1B71-C948-AB25-3CB96B46B604}"/>
+                <a16:creationId xmlns:a16="http://schemas.microsoft.com/office/drawing/2014/main" id="{92C4150B-1425-4B4B-9601-12F94AEABDB4}"/>
               </a:ext>
             </a:extLst>
           </p:cNvPr>
@@ -5185,19 +7605,175 @@
         </p:nvSpPr>
         <p:spPr>
           <a:xfrm>
-            <a:off x="3869268" y="5725020"/>
-            <a:ext cx="7315200" cy="367862"/>
+            <a:off x="0" y="6577831"/>
+            <a:ext cx="12191999" cy="246221"/>
           </a:xfrm>
           <a:prstGeom prst="rect">
             <a:avLst/>
           </a:prstGeom>
+        </p:spPr>
+        <p:txBody>
+          <a:bodyPr wrap="square">
+            <a:spAutoFit/>
+          </a:bodyPr>
+          <a:lstStyle/>
+          <a:p>
+            <a:r>
+              <a:rPr lang="de-DE" sz="1000" dirty="0">
+                <a:solidFill>
+                  <a:schemeClr val="bg1">
+                    <a:lumMod val="75000"/>
+                  </a:schemeClr>
+                </a:solidFill>
+                <a:hlinkClick r:id="rId2">
+                  <a:extLst>
+                    <a:ext uri="{A12FA001-AC4F-418D-AE19-62706E023703}">
+                      <ahyp:hlinkClr xmlns:ahyp="http://schemas.microsoft.com/office/drawing/2018/hyperlinkcolor" val="tx"/>
+                    </a:ext>
+                  </a:extLst>
+                </a:hlinkClick>
+              </a:rPr>
+              <a:t>https://</a:t>
+            </a:r>
+            <a:r>
+              <a:rPr lang="de-DE" sz="1000" dirty="0" err="1">
+                <a:solidFill>
+                  <a:schemeClr val="bg1">
+                    <a:lumMod val="75000"/>
+                  </a:schemeClr>
+                </a:solidFill>
+                <a:hlinkClick r:id="rId2">
+                  <a:extLst>
+                    <a:ext uri="{A12FA001-AC4F-418D-AE19-62706E023703}">
+                      <ahyp:hlinkClr xmlns:ahyp="http://schemas.microsoft.com/office/drawing/2018/hyperlinkcolor" val="tx"/>
+                    </a:ext>
+                  </a:extLst>
+                </a:hlinkClick>
+              </a:rPr>
+              <a:t>www.tutorialspoint.com</a:t>
+            </a:r>
+            <a:r>
+              <a:rPr lang="de-DE" sz="1000" dirty="0">
+                <a:solidFill>
+                  <a:schemeClr val="bg1">
+                    <a:lumMod val="75000"/>
+                  </a:schemeClr>
+                </a:solidFill>
+                <a:hlinkClick r:id="rId2">
+                  <a:extLst>
+                    <a:ext uri="{A12FA001-AC4F-418D-AE19-62706E023703}">
+                      <ahyp:hlinkClr xmlns:ahyp="http://schemas.microsoft.com/office/drawing/2018/hyperlinkcolor" val="tx"/>
+                    </a:ext>
+                  </a:extLst>
+                </a:hlinkClick>
+              </a:rPr>
+              <a:t>/</a:t>
+            </a:r>
+            <a:r>
+              <a:rPr lang="de-DE" sz="1000" dirty="0" err="1">
+                <a:solidFill>
+                  <a:schemeClr val="bg1">
+                    <a:lumMod val="75000"/>
+                  </a:schemeClr>
+                </a:solidFill>
+                <a:hlinkClick r:id="rId2">
+                  <a:extLst>
+                    <a:ext uri="{A12FA001-AC4F-418D-AE19-62706E023703}">
+                      <ahyp:hlinkClr xmlns:ahyp="http://schemas.microsoft.com/office/drawing/2018/hyperlinkcolor" val="tx"/>
+                    </a:ext>
+                  </a:extLst>
+                </a:hlinkClick>
+              </a:rPr>
+              <a:t>assembly_programming</a:t>
+            </a:r>
+            <a:r>
+              <a:rPr lang="de-DE" sz="1000" dirty="0">
+                <a:solidFill>
+                  <a:schemeClr val="bg1">
+                    <a:lumMod val="75000"/>
+                  </a:schemeClr>
+                </a:solidFill>
+                <a:hlinkClick r:id="rId2">
+                  <a:extLst>
+                    <a:ext uri="{A12FA001-AC4F-418D-AE19-62706E023703}">
+                      <ahyp:hlinkClr xmlns:ahyp="http://schemas.microsoft.com/office/drawing/2018/hyperlinkcolor" val="tx"/>
+                    </a:ext>
+                  </a:extLst>
+                </a:hlinkClick>
+              </a:rPr>
+              <a:t>/</a:t>
+            </a:r>
+            <a:endParaRPr lang="de-DE" sz="1000" dirty="0">
+              <a:solidFill>
+                <a:schemeClr val="bg1">
+                  <a:lumMod val="75000"/>
+                </a:schemeClr>
+              </a:solidFill>
+            </a:endParaRPr>
+          </a:p>
+        </p:txBody>
+      </p:sp>
+      <p:pic>
+        <p:nvPicPr>
+          <p:cNvPr id="8" name="Picture 7">
+            <a:extLst>
+              <a:ext uri="{FF2B5EF4-FFF2-40B4-BE49-F238E27FC236}">
+                <a16:creationId xmlns:a16="http://schemas.microsoft.com/office/drawing/2014/main" id="{B04535AC-6CEF-2E45-BAB7-3719777D8459}"/>
+              </a:ext>
+            </a:extLst>
+          </p:cNvPr>
+          <p:cNvPicPr>
+            <a:picLocks noChangeAspect="1"/>
+          </p:cNvPicPr>
+          <p:nvPr/>
+        </p:nvPicPr>
+        <p:blipFill>
+          <a:blip r:embed="rId3"/>
+          <a:stretch>
+            <a:fillRect/>
+          </a:stretch>
+        </p:blipFill>
+        <p:spPr>
+          <a:xfrm>
+            <a:off x="3840693" y="2832800"/>
+            <a:ext cx="7315200" cy="1040384"/>
+          </a:xfrm>
+          <a:prstGeom prst="rect">
+            <a:avLst/>
+          </a:prstGeom>
+        </p:spPr>
+      </p:pic>
+      <p:sp>
+        <p:nvSpPr>
+          <p:cNvPr id="11" name="Bent-Up Arrow 10">
+            <a:extLst>
+              <a:ext uri="{FF2B5EF4-FFF2-40B4-BE49-F238E27FC236}">
+                <a16:creationId xmlns:a16="http://schemas.microsoft.com/office/drawing/2014/main" id="{53D27C6C-2902-D74F-9BFF-05691C7F354B}"/>
+              </a:ext>
+            </a:extLst>
+          </p:cNvPr>
+          <p:cNvSpPr/>
+          <p:nvPr/>
+        </p:nvSpPr>
+        <p:spPr>
+          <a:xfrm flipH="1" flipV="1">
+            <a:off x="4660105" y="2589578"/>
+            <a:ext cx="687600" cy="383437"/>
+          </a:xfrm>
+          <a:prstGeom prst="bentUpArrow">
+            <a:avLst>
+              <a:gd name="adj1" fmla="val 4245"/>
+              <a:gd name="adj2" fmla="val 7662"/>
+              <a:gd name="adj3" fmla="val 13575"/>
+            </a:avLst>
+          </a:prstGeom>
           <a:solidFill>
-            <a:schemeClr val="accent4">
-              <a:lumMod val="20000"/>
-              <a:lumOff val="80000"/>
+            <a:schemeClr val="tx1">
+              <a:lumMod val="65000"/>
+              <a:lumOff val="35000"/>
             </a:schemeClr>
           </a:solidFill>
-          <a:ln>
+          <a:ln w="6350">
             <a:noFill/>
           </a:ln>
         </p:spPr>
@@ -5221,17 +7797,404 @@
           <a:bodyPr rtlCol="0" anchor="ctr"/>
           <a:lstStyle/>
           <a:p>
-            <a:r>
-              <a:rPr lang="de-DE" sz="1200" dirty="0">
+            <a:pPr algn="ctr"/>
+            <a:endParaRPr lang="de-DE"/>
+          </a:p>
+        </p:txBody>
+      </p:sp>
+      <p:sp>
+        <p:nvSpPr>
+          <p:cNvPr id="12" name="Rectangle 11">
+            <a:extLst>
+              <a:ext uri="{FF2B5EF4-FFF2-40B4-BE49-F238E27FC236}">
+                <a16:creationId xmlns:a16="http://schemas.microsoft.com/office/drawing/2014/main" id="{2B8519BF-DD32-EE47-BE1C-9A08D19C3FE4}"/>
+              </a:ext>
+            </a:extLst>
+          </p:cNvPr>
+          <p:cNvSpPr/>
+          <p:nvPr/>
+        </p:nvSpPr>
+        <p:spPr>
+          <a:xfrm>
+            <a:off x="5276277" y="2473543"/>
+            <a:ext cx="2287806" cy="246221"/>
+          </a:xfrm>
+          <a:prstGeom prst="rect">
+            <a:avLst/>
+          </a:prstGeom>
+        </p:spPr>
+        <p:txBody>
+          <a:bodyPr wrap="none">
+            <a:spAutoFit/>
+          </a:bodyPr>
+          <a:lstStyle/>
+          <a:p>
+            <a:r>
+              <a:rPr lang="de-DE" sz="1000" dirty="0">
                 <a:solidFill>
                   <a:schemeClr val="tx1">
-                    <a:lumMod val="50000"/>
-                    <a:lumOff val="50000"/>
+                    <a:lumMod val="65000"/>
+                    <a:lumOff val="35000"/>
                   </a:schemeClr>
                 </a:solidFill>
               </a:rPr>
-              <a:t>Viele Prozessoren heute sind ein Mix aus CISC und RISC</a:t>
-            </a:r>
+              <a:t> 1. System Call in Register </a:t>
+            </a:r>
+            <a:r>
+              <a:rPr lang="de-DE" sz="1000" dirty="0" err="1">
+                <a:solidFill>
+                  <a:schemeClr val="tx1">
+                    <a:lumMod val="65000"/>
+                    <a:lumOff val="35000"/>
+                  </a:schemeClr>
+                </a:solidFill>
+              </a:rPr>
+              <a:t>eax</a:t>
+            </a:r>
+            <a:r>
+              <a:rPr lang="de-DE" sz="1000" dirty="0">
+                <a:solidFill>
+                  <a:schemeClr val="tx1">
+                    <a:lumMod val="65000"/>
+                    <a:lumOff val="35000"/>
+                  </a:schemeClr>
+                </a:solidFill>
+              </a:rPr>
+              <a:t> speichern</a:t>
+            </a:r>
+          </a:p>
+        </p:txBody>
+      </p:sp>
+      <p:sp>
+        <p:nvSpPr>
+          <p:cNvPr id="14" name="Rectangle 13">
+            <a:extLst>
+              <a:ext uri="{FF2B5EF4-FFF2-40B4-BE49-F238E27FC236}">
+                <a16:creationId xmlns:a16="http://schemas.microsoft.com/office/drawing/2014/main" id="{EAD50840-5FFF-BB43-8FBC-3C1E9D4FDE55}"/>
+              </a:ext>
+            </a:extLst>
+          </p:cNvPr>
+          <p:cNvSpPr/>
+          <p:nvPr/>
+        </p:nvSpPr>
+        <p:spPr>
+          <a:xfrm>
+            <a:off x="3505599" y="4257934"/>
+            <a:ext cx="3331361" cy="400110"/>
+          </a:xfrm>
+          <a:prstGeom prst="rect">
+            <a:avLst/>
+          </a:prstGeom>
+        </p:spPr>
+        <p:txBody>
+          <a:bodyPr wrap="none">
+            <a:spAutoFit/>
+          </a:bodyPr>
+          <a:lstStyle/>
+          <a:p>
+            <a:r>
+              <a:rPr lang="de-DE" sz="1000" dirty="0">
+                <a:solidFill>
+                  <a:schemeClr val="tx1">
+                    <a:lumMod val="65000"/>
+                    <a:lumOff val="35000"/>
+                  </a:schemeClr>
+                </a:solidFill>
+              </a:rPr>
+              <a:t> 2. </a:t>
+            </a:r>
+            <a:r>
+              <a:rPr lang="de" sz="1000" dirty="0">
+                <a:solidFill>
+                  <a:schemeClr val="tx1">
+                    <a:lumMod val="65000"/>
+                    <a:lumOff val="35000"/>
+                  </a:schemeClr>
+                </a:solidFill>
+              </a:rPr>
+              <a:t>Argument zum System Call in das Register </a:t>
+            </a:r>
+            <a:r>
+              <a:rPr lang="de" sz="1000" dirty="0" err="1">
+                <a:solidFill>
+                  <a:schemeClr val="tx1">
+                    <a:lumMod val="65000"/>
+                    <a:lumOff val="35000"/>
+                  </a:schemeClr>
+                </a:solidFill>
+              </a:rPr>
+              <a:t>ebx</a:t>
+            </a:r>
+            <a:r>
+              <a:rPr lang="de" sz="1000" dirty="0">
+                <a:solidFill>
+                  <a:schemeClr val="tx1">
+                    <a:lumMod val="65000"/>
+                    <a:lumOff val="35000"/>
+                  </a:schemeClr>
+                </a:solidFill>
+              </a:rPr>
+              <a:t> speichern</a:t>
+            </a:r>
+          </a:p>
+          <a:p>
+            <a:endParaRPr lang="de-DE" sz="1000" dirty="0">
+              <a:solidFill>
+                <a:schemeClr val="tx1">
+                  <a:lumMod val="65000"/>
+                  <a:lumOff val="35000"/>
+                </a:schemeClr>
+              </a:solidFill>
+            </a:endParaRPr>
+          </a:p>
+        </p:txBody>
+      </p:sp>
+      <p:sp>
+        <p:nvSpPr>
+          <p:cNvPr id="15" name="Bent-Up Arrow 14">
+            <a:extLst>
+              <a:ext uri="{FF2B5EF4-FFF2-40B4-BE49-F238E27FC236}">
+                <a16:creationId xmlns:a16="http://schemas.microsoft.com/office/drawing/2014/main" id="{75185CD8-2586-BD4F-94D5-AB5AC1A4E07A}"/>
+              </a:ext>
+            </a:extLst>
+          </p:cNvPr>
+          <p:cNvSpPr/>
+          <p:nvPr/>
+        </p:nvSpPr>
+        <p:spPr>
+          <a:xfrm rot="5400000" flipH="1">
+            <a:off x="3482825" y="3598193"/>
+            <a:ext cx="894855" cy="424626"/>
+          </a:xfrm>
+          <a:prstGeom prst="bentUpArrow">
+            <a:avLst>
+              <a:gd name="adj1" fmla="val 4245"/>
+              <a:gd name="adj2" fmla="val 7662"/>
+              <a:gd name="adj3" fmla="val 13575"/>
+            </a:avLst>
+          </a:prstGeom>
+          <a:solidFill>
+            <a:schemeClr val="tx1">
+              <a:lumMod val="65000"/>
+              <a:lumOff val="35000"/>
+            </a:schemeClr>
+          </a:solidFill>
+          <a:ln w="6350">
+            <a:noFill/>
+          </a:ln>
+        </p:spPr>
+        <p:style>
+          <a:lnRef idx="2">
+            <a:schemeClr val="accent1">
+              <a:shade val="50000"/>
+            </a:schemeClr>
+          </a:lnRef>
+          <a:fillRef idx="1">
+            <a:schemeClr val="accent1"/>
+          </a:fillRef>
+          <a:effectRef idx="0">
+            <a:schemeClr val="accent1"/>
+          </a:effectRef>
+          <a:fontRef idx="minor">
+            <a:schemeClr val="lt1"/>
+          </a:fontRef>
+        </p:style>
+        <p:txBody>
+          <a:bodyPr rtlCol="0" anchor="ctr"/>
+          <a:lstStyle/>
+          <a:p>
+            <a:pPr algn="ctr"/>
+            <a:endParaRPr lang="de-DE"/>
+          </a:p>
+        </p:txBody>
+      </p:sp>
+      <p:sp>
+        <p:nvSpPr>
+          <p:cNvPr id="16" name="Bent-Up Arrow 15">
+            <a:extLst>
+              <a:ext uri="{FF2B5EF4-FFF2-40B4-BE49-F238E27FC236}">
+                <a16:creationId xmlns:a16="http://schemas.microsoft.com/office/drawing/2014/main" id="{4008BF50-BB9C-0E4C-97EE-A80FB12D9FCE}"/>
+              </a:ext>
+            </a:extLst>
+          </p:cNvPr>
+          <p:cNvSpPr/>
+          <p:nvPr/>
+        </p:nvSpPr>
+        <p:spPr>
+          <a:xfrm flipH="1">
+            <a:off x="4672619" y="3693268"/>
+            <a:ext cx="1786530" cy="383436"/>
+          </a:xfrm>
+          <a:prstGeom prst="bentUpArrow">
+            <a:avLst>
+              <a:gd name="adj1" fmla="val 4245"/>
+              <a:gd name="adj2" fmla="val 7662"/>
+              <a:gd name="adj3" fmla="val 13575"/>
+            </a:avLst>
+          </a:prstGeom>
+          <a:solidFill>
+            <a:schemeClr val="tx1">
+              <a:lumMod val="65000"/>
+              <a:lumOff val="35000"/>
+            </a:schemeClr>
+          </a:solidFill>
+          <a:ln w="6350">
+            <a:noFill/>
+          </a:ln>
+        </p:spPr>
+        <p:style>
+          <a:lnRef idx="2">
+            <a:schemeClr val="accent1">
+              <a:shade val="50000"/>
+            </a:schemeClr>
+          </a:lnRef>
+          <a:fillRef idx="1">
+            <a:schemeClr val="accent1"/>
+          </a:fillRef>
+          <a:effectRef idx="0">
+            <a:schemeClr val="accent1"/>
+          </a:effectRef>
+          <a:fontRef idx="minor">
+            <a:schemeClr val="lt1"/>
+          </a:fontRef>
+        </p:style>
+        <p:txBody>
+          <a:bodyPr rtlCol="0" anchor="ctr"/>
+          <a:lstStyle/>
+          <a:p>
+            <a:pPr algn="ctr"/>
+            <a:endParaRPr lang="de-DE"/>
+          </a:p>
+        </p:txBody>
+      </p:sp>
+      <p:sp>
+        <p:nvSpPr>
+          <p:cNvPr id="17" name="Rectangle 16">
+            <a:extLst>
+              <a:ext uri="{FF2B5EF4-FFF2-40B4-BE49-F238E27FC236}">
+                <a16:creationId xmlns:a16="http://schemas.microsoft.com/office/drawing/2014/main" id="{BD5D0E5D-5DBF-094C-B6F3-BDEFBA664049}"/>
+              </a:ext>
+            </a:extLst>
+          </p:cNvPr>
+          <p:cNvSpPr/>
+          <p:nvPr/>
+        </p:nvSpPr>
+        <p:spPr>
+          <a:xfrm>
+            <a:off x="6424129" y="3933984"/>
+            <a:ext cx="4030270" cy="400110"/>
+          </a:xfrm>
+          <a:prstGeom prst="rect">
+            <a:avLst/>
+          </a:prstGeom>
+        </p:spPr>
+        <p:txBody>
+          <a:bodyPr wrap="none">
+            <a:spAutoFit/>
+          </a:bodyPr>
+          <a:lstStyle/>
+          <a:p>
+            <a:r>
+              <a:rPr lang="de-DE" sz="1000" dirty="0">
+                <a:solidFill>
+                  <a:schemeClr val="tx1">
+                    <a:lumMod val="65000"/>
+                    <a:lumOff val="35000"/>
+                  </a:schemeClr>
+                </a:solidFill>
+              </a:rPr>
+              <a:t> 3. </a:t>
+            </a:r>
+            <a:r>
+              <a:rPr lang="de" sz="1000" dirty="0">
+                <a:solidFill>
+                  <a:schemeClr val="tx1">
+                    <a:lumMod val="65000"/>
+                    <a:lumOff val="35000"/>
+                  </a:schemeClr>
+                </a:solidFill>
+              </a:rPr>
+              <a:t>Interrupt mit 0x80 aufrufen (0x80 = Interrupt Handler für System Calls)</a:t>
+            </a:r>
+          </a:p>
+          <a:p>
+            <a:endParaRPr lang="de-DE" sz="1000" dirty="0">
+              <a:solidFill>
+                <a:schemeClr val="tx1">
+                  <a:lumMod val="65000"/>
+                  <a:lumOff val="35000"/>
+                </a:schemeClr>
+              </a:solidFill>
+            </a:endParaRPr>
+          </a:p>
+        </p:txBody>
+      </p:sp>
+    </p:spTree>
+    <p:extLst>
+      <p:ext uri="{BB962C8B-B14F-4D97-AF65-F5344CB8AC3E}">
+        <p14:creationId xmlns:p14="http://schemas.microsoft.com/office/powerpoint/2010/main" val="3178162482"/>
+      </p:ext>
+    </p:extLst>
+  </p:cSld>
+  <p:clrMapOvr>
+    <a:masterClrMapping/>
+  </p:clrMapOvr>
+</p:sld>
+</file>
+
+<file path=ppt/slides/slide9.xml><?xml version="1.0" encoding="utf-8"?>
+<p:sld xmlns:a="http://schemas.openxmlformats.org/drawingml/2006/main" xmlns:r="http://schemas.openxmlformats.org/officeDocument/2006/relationships" xmlns:p="http://schemas.openxmlformats.org/presentationml/2006/main">
+  <p:cSld>
+    <p:spTree>
+      <p:nvGrpSpPr>
+        <p:cNvPr id="1" name=""/>
+        <p:cNvGrpSpPr/>
+        <p:nvPr/>
+      </p:nvGrpSpPr>
+      <p:grpSpPr>
+        <a:xfrm>
+          <a:off x="0" y="0"/>
+          <a:ext cx="0" cy="0"/>
+          <a:chOff x="0" y="0"/>
+          <a:chExt cx="0" cy="0"/>
+        </a:xfrm>
+      </p:grpSpPr>
+      <p:sp>
+        <p:nvSpPr>
+          <p:cNvPr id="2" name="Title 1">
+            <a:extLst>
+              <a:ext uri="{FF2B5EF4-FFF2-40B4-BE49-F238E27FC236}">
+                <a16:creationId xmlns:a16="http://schemas.microsoft.com/office/drawing/2014/main" id="{E4FF170F-DA51-9542-AF7E-5B03F8E0C1E7}"/>
+              </a:ext>
+            </a:extLst>
+          </p:cNvPr>
+          <p:cNvSpPr>
+            <a:spLocks noGrp="1"/>
+          </p:cNvSpPr>
+          <p:nvPr>
+            <p:ph type="title"/>
+          </p:nvPr>
+        </p:nvSpPr>
+        <p:spPr/>
+        <p:txBody>
+          <a:bodyPr/>
+          <a:lstStyle/>
+          <a:p>
+            <a:r>
+              <a:rPr lang="de-DE" dirty="0"/>
+              <a:t>Assembly </a:t>
+            </a:r>
+            <a:br>
+              <a:rPr lang="de-DE" dirty="0"/>
+            </a:br>
+            <a:r>
+              <a:rPr lang="de-DE" sz="1800" dirty="0"/>
+              <a:t>Entry Point</a:t>
+            </a:r>
+            <a:br>
+              <a:rPr lang="de-DE" dirty="0"/>
+            </a:br>
+            <a:endParaRPr lang="de-DE" dirty="0"/>
           </a:p>
         </p:txBody>
       </p:sp>
@@ -5357,10 +8320,314 @@
           </a:p>
         </p:txBody>
       </p:sp>
+      <p:pic>
+        <p:nvPicPr>
+          <p:cNvPr id="13" name="Picture 12" descr="A close up of a logo&#13;&#10;&#13;&#10;Description automatically generated">
+            <a:extLst>
+              <a:ext uri="{FF2B5EF4-FFF2-40B4-BE49-F238E27FC236}">
+                <a16:creationId xmlns:a16="http://schemas.microsoft.com/office/drawing/2014/main" id="{0C0DC38A-10AD-6944-9F82-6BD6CA630EB5}"/>
+              </a:ext>
+            </a:extLst>
+          </p:cNvPr>
+          <p:cNvPicPr>
+            <a:picLocks noChangeAspect="1"/>
+          </p:cNvPicPr>
+          <p:nvPr/>
+        </p:nvPicPr>
+        <p:blipFill>
+          <a:blip r:embed="rId3"/>
+          <a:stretch>
+            <a:fillRect/>
+          </a:stretch>
+        </p:blipFill>
+        <p:spPr>
+          <a:xfrm>
+            <a:off x="3869268" y="1640043"/>
+            <a:ext cx="7315200" cy="807744"/>
+          </a:xfrm>
+          <a:prstGeom prst="rect">
+            <a:avLst/>
+          </a:prstGeom>
+        </p:spPr>
+      </p:pic>
+      <p:sp>
+        <p:nvSpPr>
+          <p:cNvPr id="18" name="TextBox 17">
+            <a:extLst>
+              <a:ext uri="{FF2B5EF4-FFF2-40B4-BE49-F238E27FC236}">
+                <a16:creationId xmlns:a16="http://schemas.microsoft.com/office/drawing/2014/main" id="{0A7A3717-BE8E-0B46-861E-8153B9B7FE2E}"/>
+              </a:ext>
+            </a:extLst>
+          </p:cNvPr>
+          <p:cNvSpPr txBox="1"/>
+          <p:nvPr/>
+        </p:nvSpPr>
+        <p:spPr>
+          <a:xfrm>
+            <a:off x="3869268" y="2865005"/>
+            <a:ext cx="8637173" cy="2352952"/>
+          </a:xfrm>
+          <a:prstGeom prst="rect">
+            <a:avLst/>
+          </a:prstGeom>
+        </p:spPr>
+        <p:txBody>
+          <a:bodyPr vert="horz" lIns="91440" tIns="45720" rIns="91440" bIns="45720" rtlCol="0" anchor="ctr">
+            <a:normAutofit/>
+          </a:bodyPr>
+          <a:lstStyle>
+            <a:lvl1pPr marL="182880" indent="-182880" defTabSz="914400">
+              <a:lnSpc>
+                <a:spcPct val="150000"/>
+              </a:lnSpc>
+              <a:spcBef>
+                <a:spcPts val="1200"/>
+              </a:spcBef>
+              <a:buClr>
+                <a:schemeClr val="accent1"/>
+              </a:buClr>
+              <a:buFont typeface="Wingdings 2" pitchFamily="18" charset="2"/>
+              <a:buChar char=""/>
+              <a:defRPr sz="2000">
+                <a:solidFill>
+                  <a:schemeClr val="tx1">
+                    <a:lumMod val="65000"/>
+                    <a:lumOff val="35000"/>
+                  </a:schemeClr>
+                </a:solidFill>
+              </a:defRPr>
+            </a:lvl1pPr>
+            <a:lvl2pPr marL="685800" lvl="1" indent="-182880" defTabSz="914400">
+              <a:lnSpc>
+                <a:spcPct val="150000"/>
+              </a:lnSpc>
+              <a:spcBef>
+                <a:spcPts val="250"/>
+              </a:spcBef>
+              <a:spcAft>
+                <a:spcPts val="250"/>
+              </a:spcAft>
+              <a:buClr>
+                <a:schemeClr val="accent1"/>
+              </a:buClr>
+              <a:buFont typeface="Wingdings 2" pitchFamily="18" charset="2"/>
+              <a:buChar char=""/>
+              <a:defRPr b="1">
+                <a:solidFill>
+                  <a:schemeClr val="tx1">
+                    <a:lumMod val="65000"/>
+                    <a:lumOff val="35000"/>
+                  </a:schemeClr>
+                </a:solidFill>
+              </a:defRPr>
+            </a:lvl2pPr>
+            <a:lvl3pPr marL="1143000" indent="-182880" defTabSz="914400">
+              <a:lnSpc>
+                <a:spcPct val="90000"/>
+              </a:lnSpc>
+              <a:spcBef>
+                <a:spcPts val="250"/>
+              </a:spcBef>
+              <a:spcAft>
+                <a:spcPts val="250"/>
+              </a:spcAft>
+              <a:buClr>
+                <a:schemeClr val="accent1"/>
+              </a:buClr>
+              <a:buFont typeface="Wingdings 2" pitchFamily="18" charset="2"/>
+              <a:buChar char=""/>
+              <a:defRPr sz="1600">
+                <a:solidFill>
+                  <a:schemeClr val="tx1">
+                    <a:lumMod val="65000"/>
+                    <a:lumOff val="35000"/>
+                  </a:schemeClr>
+                </a:solidFill>
+              </a:defRPr>
+            </a:lvl3pPr>
+            <a:lvl4pPr marL="1600200" indent="-182880" defTabSz="914400">
+              <a:lnSpc>
+                <a:spcPct val="90000"/>
+              </a:lnSpc>
+              <a:spcBef>
+                <a:spcPts val="250"/>
+              </a:spcBef>
+              <a:spcAft>
+                <a:spcPts val="250"/>
+              </a:spcAft>
+              <a:buClr>
+                <a:schemeClr val="accent1"/>
+              </a:buClr>
+              <a:buFont typeface="Wingdings 2" pitchFamily="18" charset="2"/>
+              <a:buChar char=""/>
+              <a:defRPr sz="1400">
+                <a:solidFill>
+                  <a:schemeClr val="tx1">
+                    <a:lumMod val="65000"/>
+                    <a:lumOff val="35000"/>
+                  </a:schemeClr>
+                </a:solidFill>
+              </a:defRPr>
+            </a:lvl4pPr>
+            <a:lvl5pPr marL="2057400" indent="-182880" defTabSz="914400">
+              <a:lnSpc>
+                <a:spcPct val="90000"/>
+              </a:lnSpc>
+              <a:spcBef>
+                <a:spcPts val="250"/>
+              </a:spcBef>
+              <a:spcAft>
+                <a:spcPts val="250"/>
+              </a:spcAft>
+              <a:buClr>
+                <a:schemeClr val="accent1"/>
+              </a:buClr>
+              <a:buFont typeface="Wingdings 2" pitchFamily="18" charset="2"/>
+              <a:buChar char=""/>
+              <a:defRPr sz="1400">
+                <a:solidFill>
+                  <a:schemeClr val="tx1">
+                    <a:lumMod val="65000"/>
+                    <a:lumOff val="35000"/>
+                  </a:schemeClr>
+                </a:solidFill>
+              </a:defRPr>
+            </a:lvl5pPr>
+            <a:lvl6pPr marL="2514600" indent="-228600" defTabSz="914400">
+              <a:lnSpc>
+                <a:spcPct val="90000"/>
+              </a:lnSpc>
+              <a:spcBef>
+                <a:spcPts val="250"/>
+              </a:spcBef>
+              <a:spcAft>
+                <a:spcPts val="250"/>
+              </a:spcAft>
+              <a:buClr>
+                <a:schemeClr val="accent1"/>
+              </a:buClr>
+              <a:buFont typeface="Wingdings 2" pitchFamily="18" charset="2"/>
+              <a:buChar char=""/>
+              <a:defRPr sz="1400">
+                <a:solidFill>
+                  <a:schemeClr val="tx1">
+                    <a:lumMod val="65000"/>
+                    <a:lumOff val="35000"/>
+                  </a:schemeClr>
+                </a:solidFill>
+              </a:defRPr>
+            </a:lvl6pPr>
+            <a:lvl7pPr marL="2971800" indent="-228600" defTabSz="914400">
+              <a:lnSpc>
+                <a:spcPct val="90000"/>
+              </a:lnSpc>
+              <a:spcBef>
+                <a:spcPts val="250"/>
+              </a:spcBef>
+              <a:spcAft>
+                <a:spcPts val="250"/>
+              </a:spcAft>
+              <a:buClr>
+                <a:schemeClr val="accent1"/>
+              </a:buClr>
+              <a:buFont typeface="Wingdings 2" pitchFamily="18" charset="2"/>
+              <a:buChar char=""/>
+              <a:defRPr sz="1400">
+                <a:solidFill>
+                  <a:schemeClr val="tx1">
+                    <a:lumMod val="65000"/>
+                    <a:lumOff val="35000"/>
+                  </a:schemeClr>
+                </a:solidFill>
+              </a:defRPr>
+            </a:lvl7pPr>
+            <a:lvl8pPr marL="3429000" indent="-228600" defTabSz="914400">
+              <a:lnSpc>
+                <a:spcPct val="90000"/>
+              </a:lnSpc>
+              <a:spcBef>
+                <a:spcPts val="250"/>
+              </a:spcBef>
+              <a:spcAft>
+                <a:spcPts val="250"/>
+              </a:spcAft>
+              <a:buClr>
+                <a:schemeClr val="accent1"/>
+              </a:buClr>
+              <a:buFont typeface="Wingdings 2" pitchFamily="18" charset="2"/>
+              <a:buChar char=""/>
+              <a:defRPr sz="1400">
+                <a:solidFill>
+                  <a:schemeClr val="tx1">
+                    <a:lumMod val="65000"/>
+                    <a:lumOff val="35000"/>
+                  </a:schemeClr>
+                </a:solidFill>
+              </a:defRPr>
+            </a:lvl8pPr>
+            <a:lvl9pPr marL="3886200" indent="-228600" defTabSz="914400">
+              <a:lnSpc>
+                <a:spcPct val="90000"/>
+              </a:lnSpc>
+              <a:spcBef>
+                <a:spcPts val="250"/>
+              </a:spcBef>
+              <a:spcAft>
+                <a:spcPts val="250"/>
+              </a:spcAft>
+              <a:buClr>
+                <a:schemeClr val="accent1"/>
+              </a:buClr>
+              <a:buFont typeface="Wingdings 2" pitchFamily="18" charset="2"/>
+              <a:buChar char=""/>
+              <a:defRPr sz="1400">
+                <a:solidFill>
+                  <a:schemeClr val="tx1">
+                    <a:lumMod val="65000"/>
+                    <a:lumOff val="35000"/>
+                  </a:schemeClr>
+                </a:solidFill>
+              </a:defRPr>
+            </a:lvl9pPr>
+          </a:lstStyle>
+          <a:p>
+            <a:r>
+              <a:rPr lang="de-DE" sz="1600" dirty="0"/>
+              <a:t> Dort wo Prozessor Anweisungen beginnt abzuarbeiten</a:t>
+            </a:r>
+          </a:p>
+          <a:p>
+            <a:r>
+              <a:rPr lang="de-DE" sz="1600" dirty="0"/>
+              <a:t>global: wird verwendet, um Identifier (_</a:t>
+            </a:r>
+            <a:r>
+              <a:rPr lang="de-DE" sz="1600" dirty="0" err="1"/>
+              <a:t>start</a:t>
+            </a:r>
+            <a:r>
+              <a:rPr lang="de-DE" sz="1600" dirty="0"/>
+              <a:t>) dem Linker zur Verfügung stellen</a:t>
+            </a:r>
+          </a:p>
+          <a:p>
+            <a:r>
+              <a:rPr lang="de-DE" sz="1600" dirty="0"/>
+              <a:t>Identifier gefolgt von „:“ erstellt ein Label</a:t>
+            </a:r>
+          </a:p>
+          <a:p>
+            <a:r>
+              <a:rPr lang="de-DE" sz="1600" dirty="0"/>
+              <a:t>Labels verwendet um Locations in unserem Code zu benennen</a:t>
+            </a:r>
+          </a:p>
+        </p:txBody>
+      </p:sp>
     </p:spTree>
     <p:extLst>
       <p:ext uri="{BB962C8B-B14F-4D97-AF65-F5344CB8AC3E}">
-        <p14:creationId xmlns:p14="http://schemas.microsoft.com/office/powerpoint/2010/main" val="4264246062"/>
+        <p14:creationId xmlns:p14="http://schemas.microsoft.com/office/powerpoint/2010/main" val="4122426086"/>
       </p:ext>
     </p:extLst>
   </p:cSld>

--- a/docs/ppt/presentation.pptx
+++ b/docs/ppt/presentation.pptx
@@ -3899,326 +3899,6 @@
           </a:p>
         </p:txBody>
       </p:sp>
-      <p:graphicFrame>
-        <p:nvGraphicFramePr>
-          <p:cNvPr id="4" name="Table 3">
-            <a:extLst>
-              <a:ext uri="{FF2B5EF4-FFF2-40B4-BE49-F238E27FC236}">
-                <a16:creationId xmlns:a16="http://schemas.microsoft.com/office/drawing/2014/main" id="{7B17DC4A-C518-874F-A120-A3D3C981D873}"/>
-              </a:ext>
-            </a:extLst>
-          </p:cNvPr>
-          <p:cNvGraphicFramePr>
-            <a:graphicFrameLocks noGrp="1"/>
-          </p:cNvGraphicFramePr>
-          <p:nvPr>
-            <p:extLst>
-              <p:ext uri="{D42A27DB-BD31-4B8C-83A1-F6EECF244321}">
-                <p14:modId xmlns:p14="http://schemas.microsoft.com/office/powerpoint/2010/main" val="2414903270"/>
-              </p:ext>
-            </p:extLst>
-          </p:nvPr>
-        </p:nvGraphicFramePr>
-        <p:xfrm>
-          <a:off x="3869268" y="755974"/>
-          <a:ext cx="7315200" cy="2865120"/>
-        </p:xfrm>
-        <a:graphic>
-          <a:graphicData uri="http://schemas.openxmlformats.org/drawingml/2006/table">
-            <a:tbl>
-              <a:tblPr firstRow="1" bandRow="1">
-                <a:tableStyleId>{5C22544A-7EE6-4342-B048-85BDC9FD1C3A}</a:tableStyleId>
-              </a:tblPr>
-              <a:tblGrid>
-                <a:gridCol w="3657600">
-                  <a:extLst>
-                    <a:ext uri="{9D8B030D-6E8A-4147-A177-3AD203B41FA5}">
-                      <a16:colId xmlns:a16="http://schemas.microsoft.com/office/drawing/2014/main" val="2317206412"/>
-                    </a:ext>
-                  </a:extLst>
-                </a:gridCol>
-                <a:gridCol w="3657600">
-                  <a:extLst>
-                    <a:ext uri="{9D8B030D-6E8A-4147-A177-3AD203B41FA5}">
-                      <a16:colId xmlns:a16="http://schemas.microsoft.com/office/drawing/2014/main" val="3589141513"/>
-                    </a:ext>
-                  </a:extLst>
-                </a:gridCol>
-              </a:tblGrid>
-              <a:tr h="370840">
-                <a:tc>
-                  <a:txBody>
-                    <a:bodyPr/>
-                    <a:lstStyle/>
-                    <a:p>
-                      <a:r>
-                        <a:rPr lang="de-DE" dirty="0"/>
-                        <a:t>Anweisung</a:t>
-                      </a:r>
-                    </a:p>
-                  </a:txBody>
-                  <a:tcPr/>
-                </a:tc>
-                <a:tc>
-                  <a:txBody>
-                    <a:bodyPr/>
-                    <a:lstStyle/>
-                    <a:p>
-                      <a:r>
-                        <a:rPr lang="de-DE" dirty="0"/>
-                        <a:t>Beschreibung</a:t>
-                      </a:r>
-                    </a:p>
-                  </a:txBody>
-                  <a:tcPr/>
-                </a:tc>
-                <a:extLst>
-                  <a:ext uri="{0D108BD9-81ED-4DB2-BD59-A6C34878D82A}">
-                    <a16:rowId xmlns:a16="http://schemas.microsoft.com/office/drawing/2014/main" val="1781904454"/>
-                  </a:ext>
-                </a:extLst>
-              </a:tr>
-              <a:tr h="370840">
-                <a:tc>
-                  <a:txBody>
-                    <a:bodyPr/>
-                    <a:lstStyle/>
-                    <a:p>
-                      <a:r>
-                        <a:rPr lang="de-DE" dirty="0"/>
-                        <a:t>mov</a:t>
-                      </a:r>
-                    </a:p>
-                  </a:txBody>
-                  <a:tcPr/>
-                </a:tc>
-                <a:tc>
-                  <a:txBody>
-                    <a:bodyPr/>
-                    <a:lstStyle/>
-                    <a:p>
-                      <a:pPr marL="285750" indent="-285750">
-                        <a:buFontTx/>
-                        <a:buChar char="-"/>
-                      </a:pPr>
-                      <a:r>
-                        <a:rPr lang="de-DE" dirty="0" err="1"/>
-                        <a:t>move</a:t>
-                      </a:r>
-                      <a:r>
-                        <a:rPr lang="de-DE" dirty="0"/>
-                        <a:t> Anweisung</a:t>
-                      </a:r>
-                    </a:p>
-                    <a:p>
-                      <a:pPr marL="285750" indent="-285750">
-                        <a:buFontTx/>
-                        <a:buChar char="-"/>
-                      </a:pPr>
-                      <a:r>
-                        <a:rPr lang="de-DE" dirty="0"/>
-                        <a:t>Bewegt einen Wert in ein Register</a:t>
-                      </a:r>
-                    </a:p>
-                  </a:txBody>
-                  <a:tcPr/>
-                </a:tc>
-                <a:extLst>
-                  <a:ext uri="{0D108BD9-81ED-4DB2-BD59-A6C34878D82A}">
-                    <a16:rowId xmlns:a16="http://schemas.microsoft.com/office/drawing/2014/main" val="2647621659"/>
-                  </a:ext>
-                </a:extLst>
-              </a:tr>
-              <a:tr h="370840">
-                <a:tc>
-                  <a:txBody>
-                    <a:bodyPr/>
-                    <a:lstStyle/>
-                    <a:p>
-                      <a:r>
-                        <a:rPr lang="de-DE" dirty="0"/>
-                        <a:t>add </a:t>
-                      </a:r>
-                    </a:p>
-                  </a:txBody>
-                  <a:tcPr/>
-                </a:tc>
-                <a:tc>
-                  <a:txBody>
-                    <a:bodyPr/>
-                    <a:lstStyle/>
-                    <a:p>
-                      <a:pPr marL="285750" indent="-285750">
-                        <a:buFontTx/>
-                        <a:buChar char="-"/>
-                      </a:pPr>
-                      <a:r>
-                        <a:rPr lang="de-DE" dirty="0"/>
-                        <a:t>Addition</a:t>
-                      </a:r>
-                    </a:p>
-                  </a:txBody>
-                  <a:tcPr/>
-                </a:tc>
-                <a:extLst>
-                  <a:ext uri="{0D108BD9-81ED-4DB2-BD59-A6C34878D82A}">
-                    <a16:rowId xmlns:a16="http://schemas.microsoft.com/office/drawing/2014/main" val="563418857"/>
-                  </a:ext>
-                </a:extLst>
-              </a:tr>
-              <a:tr h="370840">
-                <a:tc>
-                  <a:txBody>
-                    <a:bodyPr/>
-                    <a:lstStyle/>
-                    <a:p>
-                      <a:r>
-                        <a:rPr lang="de-DE" dirty="0"/>
-                        <a:t>sub</a:t>
-                      </a:r>
-                    </a:p>
-                  </a:txBody>
-                  <a:tcPr/>
-                </a:tc>
-                <a:tc>
-                  <a:txBody>
-                    <a:bodyPr/>
-                    <a:lstStyle/>
-                    <a:p>
-                      <a:pPr marL="285750" indent="-285750">
-                        <a:buFontTx/>
-                        <a:buChar char="-"/>
-                      </a:pPr>
-                      <a:r>
-                        <a:rPr lang="de-DE" dirty="0"/>
-                        <a:t>Subtraktion</a:t>
-                      </a:r>
-                    </a:p>
-                  </a:txBody>
-                  <a:tcPr/>
-                </a:tc>
-                <a:extLst>
-                  <a:ext uri="{0D108BD9-81ED-4DB2-BD59-A6C34878D82A}">
-                    <a16:rowId xmlns:a16="http://schemas.microsoft.com/office/drawing/2014/main" val="548426433"/>
-                  </a:ext>
-                </a:extLst>
-              </a:tr>
-              <a:tr h="370840">
-                <a:tc>
-                  <a:txBody>
-                    <a:bodyPr/>
-                    <a:lstStyle/>
-                    <a:p>
-                      <a:r>
-                        <a:rPr lang="de-DE" dirty="0"/>
-                        <a:t>mul</a:t>
-                      </a:r>
-                    </a:p>
-                  </a:txBody>
-                  <a:tcPr/>
-                </a:tc>
-                <a:tc>
-                  <a:txBody>
-                    <a:bodyPr/>
-                    <a:lstStyle/>
-                    <a:p>
-                      <a:pPr marL="285750" indent="-285750">
-                        <a:buFontTx/>
-                        <a:buChar char="-"/>
-                      </a:pPr>
-                      <a:r>
-                        <a:rPr lang="de-DE" dirty="0"/>
-                        <a:t>Multiplikation</a:t>
-                      </a:r>
-                    </a:p>
-                  </a:txBody>
-                  <a:tcPr/>
-                </a:tc>
-                <a:extLst>
-                  <a:ext uri="{0D108BD9-81ED-4DB2-BD59-A6C34878D82A}">
-                    <a16:rowId xmlns:a16="http://schemas.microsoft.com/office/drawing/2014/main" val="2543626398"/>
-                  </a:ext>
-                </a:extLst>
-              </a:tr>
-              <a:tr h="370840">
-                <a:tc>
-                  <a:txBody>
-                    <a:bodyPr/>
-                    <a:lstStyle/>
-                    <a:p>
-                      <a:r>
-                        <a:rPr lang="de-DE" dirty="0"/>
-                        <a:t>div</a:t>
-                      </a:r>
-                    </a:p>
-                  </a:txBody>
-                  <a:tcPr/>
-                </a:tc>
-                <a:tc>
-                  <a:txBody>
-                    <a:bodyPr/>
-                    <a:lstStyle/>
-                    <a:p>
-                      <a:pPr marL="285750" indent="-285750">
-                        <a:buFontTx/>
-                        <a:buChar char="-"/>
-                      </a:pPr>
-                      <a:r>
-                        <a:rPr lang="de-DE" dirty="0"/>
-                        <a:t>Division</a:t>
-                      </a:r>
-                    </a:p>
-                  </a:txBody>
-                  <a:tcPr/>
-                </a:tc>
-                <a:extLst>
-                  <a:ext uri="{0D108BD9-81ED-4DB2-BD59-A6C34878D82A}">
-                    <a16:rowId xmlns:a16="http://schemas.microsoft.com/office/drawing/2014/main" val="3936765572"/>
-                  </a:ext>
-                </a:extLst>
-              </a:tr>
-              <a:tr h="370840">
-                <a:tc>
-                  <a:txBody>
-                    <a:bodyPr/>
-                    <a:lstStyle/>
-                    <a:p>
-                      <a:r>
-                        <a:rPr lang="de-DE" dirty="0" err="1"/>
-                        <a:t>int</a:t>
-                      </a:r>
-                      <a:endParaRPr lang="de-DE" dirty="0"/>
-                    </a:p>
-                  </a:txBody>
-                  <a:tcPr/>
-                </a:tc>
-                <a:tc>
-                  <a:txBody>
-                    <a:bodyPr/>
-                    <a:lstStyle/>
-                    <a:p>
-                      <a:pPr marL="285750" indent="-285750">
-                        <a:buFontTx/>
-                        <a:buChar char="-"/>
-                      </a:pPr>
-                      <a:r>
-                        <a:rPr lang="de-DE" dirty="0"/>
-                        <a:t>Interrupt</a:t>
-                      </a:r>
-                    </a:p>
-                  </a:txBody>
-                  <a:tcPr/>
-                </a:tc>
-                <a:extLst>
-                  <a:ext uri="{0D108BD9-81ED-4DB2-BD59-A6C34878D82A}">
-                    <a16:rowId xmlns:a16="http://schemas.microsoft.com/office/drawing/2014/main" val="873218023"/>
-                  </a:ext>
-                </a:extLst>
-              </a:tr>
-            </a:tbl>
-          </a:graphicData>
-        </a:graphic>
-      </p:graphicFrame>
     </p:spTree>
     <p:extLst>
       <p:ext uri="{BB962C8B-B14F-4D97-AF65-F5344CB8AC3E}">
@@ -5193,13 +4873,13 @@
             <p:ph idx="1"/>
             <p:extLst>
               <p:ext uri="{D42A27DB-BD31-4B8C-83A1-F6EECF244321}">
-                <p14:modId xmlns:p14="http://schemas.microsoft.com/office/powerpoint/2010/main" val="3011578105"/>
+                <p14:modId xmlns:p14="http://schemas.microsoft.com/office/powerpoint/2010/main" val="3171791086"/>
               </p:ext>
             </p:extLst>
           </p:nvPr>
         </p:nvGraphicFramePr>
         <p:xfrm>
-          <a:off x="3868738" y="863600"/>
+          <a:off x="3951866" y="739613"/>
           <a:ext cx="7315200" cy="2565400"/>
         </p:xfrm>
         <a:graphic>

--- a/docs/ppt/presentation.pptx
+++ b/docs/ppt/presentation.pptx
@@ -347,7 +347,7 @@
             <a:fld id="{5586B75A-687E-405C-8A0B-8D00578BA2C3}" type="datetimeFigureOut">
               <a:rPr lang="en-US" dirty="0"/>
               <a:pPr/>
-              <a:t>12/12/18</a:t>
+              <a:t>12/13/18</a:t>
             </a:fld>
             <a:endParaRPr lang="en-US" dirty="0"/>
           </a:p>
@@ -514,7 +514,7 @@
             <a:fld id="{5586B75A-687E-405C-8A0B-8D00578BA2C3}" type="datetimeFigureOut">
               <a:rPr lang="en-US" dirty="0"/>
               <a:pPr/>
-              <a:t>12/12/18</a:t>
+              <a:t>12/13/18</a:t>
             </a:fld>
             <a:endParaRPr lang="en-US" dirty="0"/>
           </a:p>
@@ -691,7 +691,7 @@
             <a:fld id="{5586B75A-687E-405C-8A0B-8D00578BA2C3}" type="datetimeFigureOut">
               <a:rPr lang="en-US" dirty="0"/>
               <a:pPr/>
-              <a:t>12/12/18</a:t>
+              <a:t>12/13/18</a:t>
             </a:fld>
             <a:endParaRPr lang="en-US" dirty="0"/>
           </a:p>
@@ -858,7 +858,7 @@
             <a:fld id="{5586B75A-687E-405C-8A0B-8D00578BA2C3}" type="datetimeFigureOut">
               <a:rPr lang="en-US" dirty="0"/>
               <a:pPr/>
-              <a:t>12/12/18</a:t>
+              <a:t>12/13/18</a:t>
             </a:fld>
             <a:endParaRPr lang="en-US" dirty="0"/>
           </a:p>
@@ -1113,7 +1113,7 @@
             <a:fld id="{5586B75A-687E-405C-8A0B-8D00578BA2C3}" type="datetimeFigureOut">
               <a:rPr lang="en-US" dirty="0"/>
               <a:pPr/>
-              <a:t>12/12/18</a:t>
+              <a:t>12/13/18</a:t>
             </a:fld>
             <a:endParaRPr lang="en-US" dirty="0"/>
           </a:p>
@@ -1398,7 +1398,7 @@
             <a:fld id="{5586B75A-687E-405C-8A0B-8D00578BA2C3}" type="datetimeFigureOut">
               <a:rPr lang="en-US" dirty="0"/>
               <a:pPr/>
-              <a:t>12/12/18</a:t>
+              <a:t>12/13/18</a:t>
             </a:fld>
             <a:endParaRPr lang="en-US" dirty="0"/>
           </a:p>
@@ -1837,7 +1837,7 @@
             <a:fld id="{5586B75A-687E-405C-8A0B-8D00578BA2C3}" type="datetimeFigureOut">
               <a:rPr lang="en-US" dirty="0"/>
               <a:pPr/>
-              <a:t>12/12/18</a:t>
+              <a:t>12/13/18</a:t>
             </a:fld>
             <a:endParaRPr lang="en-US" dirty="0"/>
           </a:p>
@@ -1952,7 +1952,7 @@
             <a:fld id="{5586B75A-687E-405C-8A0B-8D00578BA2C3}" type="datetimeFigureOut">
               <a:rPr lang="en-US" dirty="0"/>
               <a:pPr/>
-              <a:t>12/12/18</a:t>
+              <a:t>12/13/18</a:t>
             </a:fld>
             <a:endParaRPr lang="en-US" dirty="0"/>
           </a:p>
@@ -2044,7 +2044,7 @@
             <a:fld id="{5586B75A-687E-405C-8A0B-8D00578BA2C3}" type="datetimeFigureOut">
               <a:rPr lang="en-US" dirty="0"/>
               <a:pPr/>
-              <a:t>12/12/18</a:t>
+              <a:t>12/13/18</a:t>
             </a:fld>
             <a:endParaRPr lang="en-US" dirty="0"/>
           </a:p>
@@ -2329,7 +2329,7 @@
             <a:fld id="{5586B75A-687E-405C-8A0B-8D00578BA2C3}" type="datetimeFigureOut">
               <a:rPr lang="en-US" dirty="0"/>
               <a:pPr/>
-              <a:t>12/12/18</a:t>
+              <a:t>12/13/18</a:t>
             </a:fld>
             <a:endParaRPr lang="en-US" dirty="0"/>
           </a:p>
@@ -2599,7 +2599,7 @@
             <a:fld id="{5586B75A-687E-405C-8A0B-8D00578BA2C3}" type="datetimeFigureOut">
               <a:rPr lang="en-US" dirty="0"/>
               <a:pPr/>
-              <a:t>12/12/18</a:t>
+              <a:t>12/13/18</a:t>
             </a:fld>
             <a:endParaRPr lang="en-US" dirty="0"/>
           </a:p>
@@ -2893,7 +2893,7 @@
             <a:fld id="{5586B75A-687E-405C-8A0B-8D00578BA2C3}" type="datetimeFigureOut">
               <a:rPr lang="en-US" dirty="0"/>
               <a:pPr/>
-              <a:t>12/12/18</a:t>
+              <a:t>12/13/18</a:t>
             </a:fld>
             <a:endParaRPr lang="en-US" dirty="0"/>
           </a:p>
@@ -5733,7 +5733,7 @@
           <p:nvPr>
             <p:extLst>
               <p:ext uri="{D42A27DB-BD31-4B8C-83A1-F6EECF244321}">
-                <p14:modId xmlns:p14="http://schemas.microsoft.com/office/powerpoint/2010/main" val="3266384302"/>
+                <p14:modId xmlns:p14="http://schemas.microsoft.com/office/powerpoint/2010/main" val="2897292762"/>
               </p:ext>
             </p:extLst>
           </p:nvPr>
@@ -5993,7 +5993,7 @@
                             </a:schemeClr>
                           </a:solidFill>
                         </a:rPr>
-                        <a:t>mul</a:t>
+                        <a:t>push</a:t>
                       </a:r>
                     </a:p>
                   </a:txBody>
@@ -6017,7 +6017,7 @@
                             </a:schemeClr>
                           </a:solidFill>
                         </a:rPr>
-                        <a:t>Multiplikation</a:t>
+                        <a:t>Auf Stack pushen</a:t>
                       </a:r>
                     </a:p>
                   </a:txBody>
@@ -6036,7 +6036,7 @@
                     <a:lstStyle/>
                     <a:p>
                       <a:r>
-                        <a:rPr lang="de-DE" dirty="0">
+                        <a:rPr lang="de-DE" dirty="0" err="1">
                           <a:solidFill>
                             <a:schemeClr val="tx1">
                               <a:lumMod val="65000"/>
@@ -6044,8 +6044,16 @@
                             </a:schemeClr>
                           </a:solidFill>
                         </a:rPr>
-                        <a:t>div</a:t>
+                        <a:t>pop</a:t>
                       </a:r>
+                      <a:endParaRPr lang="de-DE" dirty="0">
+                        <a:solidFill>
+                          <a:schemeClr val="tx1">
+                            <a:lumMod val="65000"/>
+                            <a:lumOff val="35000"/>
+                          </a:schemeClr>
+                        </a:solidFill>
+                      </a:endParaRPr>
                     </a:p>
                   </a:txBody>
                   <a:tcPr/>
@@ -6068,7 +6076,7 @@
                             </a:schemeClr>
                           </a:solidFill>
                         </a:rPr>
-                        <a:t>Division</a:t>
+                        <a:t>Von Stack entfernen</a:t>
                       </a:r>
                     </a:p>
                   </a:txBody>
@@ -6157,16 +6165,15 @@
           </p:cNvPicPr>
           <p:nvPr/>
         </p:nvPicPr>
-        <p:blipFill>
+        <p:blipFill rotWithShape="1">
           <a:blip r:embed="rId3"/>
-          <a:stretch>
-            <a:fillRect/>
-          </a:stretch>
+          <a:srcRect r="56650"/>
+          <a:stretch/>
         </p:blipFill>
         <p:spPr>
           <a:xfrm>
-            <a:off x="3869268" y="4273222"/>
-            <a:ext cx="7315200" cy="782607"/>
+            <a:off x="3869268" y="4621668"/>
+            <a:ext cx="4178090" cy="1031100"/>
           </a:xfrm>
           <a:prstGeom prst="rect">
             <a:avLst/>
@@ -6248,165 +6255,6 @@
                 <a:latin typeface="Andale Mono" panose="020B0509000000000004" pitchFamily="49" charset="0"/>
               </a:rPr>
               <a:t>, …]</a:t>
-            </a:r>
-          </a:p>
-        </p:txBody>
-      </p:sp>
-      <p:pic>
-        <p:nvPicPr>
-          <p:cNvPr id="17" name="Picture 16">
-            <a:extLst>
-              <a:ext uri="{FF2B5EF4-FFF2-40B4-BE49-F238E27FC236}">
-                <a16:creationId xmlns:a16="http://schemas.microsoft.com/office/drawing/2014/main" id="{2E2CE83B-7037-5240-9C2C-B068D605CDF2}"/>
-              </a:ext>
-            </a:extLst>
-          </p:cNvPr>
-          <p:cNvPicPr>
-            <a:picLocks noChangeAspect="1"/>
-          </p:cNvPicPr>
-          <p:nvPr/>
-        </p:nvPicPr>
-        <p:blipFill>
-          <a:blip r:embed="rId4"/>
-          <a:stretch>
-            <a:fillRect/>
-          </a:stretch>
-        </p:blipFill>
-        <p:spPr>
-          <a:xfrm>
-            <a:off x="3841348" y="5055829"/>
-            <a:ext cx="7343120" cy="802646"/>
-          </a:xfrm>
-          <a:prstGeom prst="rect">
-            <a:avLst/>
-          </a:prstGeom>
-        </p:spPr>
-      </p:pic>
-      <p:sp>
-        <p:nvSpPr>
-          <p:cNvPr id="23" name="Bent-Up Arrow 22">
-            <a:extLst>
-              <a:ext uri="{FF2B5EF4-FFF2-40B4-BE49-F238E27FC236}">
-                <a16:creationId xmlns:a16="http://schemas.microsoft.com/office/drawing/2014/main" id="{CEC9B26C-5246-C840-AC22-71EC8E5356D8}"/>
-              </a:ext>
-            </a:extLst>
-          </p:cNvPr>
-          <p:cNvSpPr/>
-          <p:nvPr/>
-        </p:nvSpPr>
-        <p:spPr>
-          <a:xfrm flipH="1">
-            <a:off x="4694825" y="5725020"/>
-            <a:ext cx="687600" cy="318333"/>
-          </a:xfrm>
-          <a:prstGeom prst="bentUpArrow">
-            <a:avLst>
-              <a:gd name="adj1" fmla="val 4245"/>
-              <a:gd name="adj2" fmla="val 7662"/>
-              <a:gd name="adj3" fmla="val 13575"/>
-            </a:avLst>
-          </a:prstGeom>
-          <a:solidFill>
-            <a:schemeClr val="tx1">
-              <a:lumMod val="65000"/>
-              <a:lumOff val="35000"/>
-            </a:schemeClr>
-          </a:solidFill>
-          <a:ln w="6350">
-            <a:noFill/>
-          </a:ln>
-        </p:spPr>
-        <p:style>
-          <a:lnRef idx="2">
-            <a:schemeClr val="accent1">
-              <a:shade val="50000"/>
-            </a:schemeClr>
-          </a:lnRef>
-          <a:fillRef idx="1">
-            <a:schemeClr val="accent1"/>
-          </a:fillRef>
-          <a:effectRef idx="0">
-            <a:schemeClr val="accent1"/>
-          </a:effectRef>
-          <a:fontRef idx="minor">
-            <a:schemeClr val="lt1"/>
-          </a:fontRef>
-        </p:style>
-        <p:txBody>
-          <a:bodyPr rtlCol="0" anchor="ctr"/>
-          <a:lstStyle/>
-          <a:p>
-            <a:pPr algn="ctr"/>
-            <a:endParaRPr lang="de-DE">
-              <a:solidFill>
-                <a:schemeClr val="tx1">
-                  <a:lumMod val="65000"/>
-                  <a:lumOff val="35000"/>
-                </a:schemeClr>
-              </a:solidFill>
-            </a:endParaRPr>
-          </a:p>
-        </p:txBody>
-      </p:sp>
-      <p:sp>
-        <p:nvSpPr>
-          <p:cNvPr id="24" name="Rectangle 23">
-            <a:extLst>
-              <a:ext uri="{FF2B5EF4-FFF2-40B4-BE49-F238E27FC236}">
-                <a16:creationId xmlns:a16="http://schemas.microsoft.com/office/drawing/2014/main" id="{E7282A7D-F72F-B34E-9A73-BBE95FB2D2C8}"/>
-              </a:ext>
-            </a:extLst>
-          </p:cNvPr>
-          <p:cNvSpPr/>
-          <p:nvPr/>
-        </p:nvSpPr>
-        <p:spPr>
-          <a:xfrm>
-            <a:off x="5310997" y="5927318"/>
-            <a:ext cx="2432076" cy="246221"/>
-          </a:xfrm>
-          <a:prstGeom prst="rect">
-            <a:avLst/>
-          </a:prstGeom>
-        </p:spPr>
-        <p:txBody>
-          <a:bodyPr wrap="none">
-            <a:spAutoFit/>
-          </a:bodyPr>
-          <a:lstStyle/>
-          <a:p>
-            <a:r>
-              <a:rPr lang="de-DE" sz="1000" dirty="0">
-                <a:solidFill>
-                  <a:schemeClr val="tx1">
-                    <a:lumMod val="65000"/>
-                    <a:lumOff val="35000"/>
-                  </a:schemeClr>
-                </a:solidFill>
-              </a:rPr>
-              <a:t>wird implizit dem Register </a:t>
-            </a:r>
-            <a:r>
-              <a:rPr lang="de-DE" sz="1000" dirty="0" err="1">
-                <a:solidFill>
-                  <a:schemeClr val="tx1">
-                    <a:lumMod val="65000"/>
-                    <a:lumOff val="35000"/>
-                  </a:schemeClr>
-                </a:solidFill>
-              </a:rPr>
-              <a:t>eax</a:t>
-            </a:r>
-            <a:r>
-              <a:rPr lang="de-DE" sz="1000" dirty="0">
-                <a:solidFill>
-                  <a:schemeClr val="tx1">
-                    <a:lumMod val="65000"/>
-                    <a:lumOff val="35000"/>
-                  </a:schemeClr>
-                </a:solidFill>
-              </a:rPr>
-              <a:t> zugewiesen</a:t>
             </a:r>
           </a:p>
         </p:txBody>
